--- a/Verkefni3/Kynning.pptx
+++ b/Verkefni3/Kynning.pptx
@@ -7,14 +7,16 @@
   <p:sldIdLst>
     <p:sldId id="256" r:id="rId2"/>
     <p:sldId id="257" r:id="rId3"/>
-    <p:sldId id="263" r:id="rId4"/>
-    <p:sldId id="264" r:id="rId5"/>
-    <p:sldId id="258" r:id="rId6"/>
-    <p:sldId id="259" r:id="rId7"/>
-    <p:sldId id="260" r:id="rId8"/>
+    <p:sldId id="267" r:id="rId4"/>
+    <p:sldId id="263" r:id="rId5"/>
+    <p:sldId id="264" r:id="rId6"/>
+    <p:sldId id="265" r:id="rId7"/>
+    <p:sldId id="266" r:id="rId8"/>
     <p:sldId id="261" r:id="rId9"/>
     <p:sldId id="262" r:id="rId10"/>
-    <p:sldId id="265" r:id="rId11"/>
+    <p:sldId id="258" r:id="rId11"/>
+    <p:sldId id="259" r:id="rId12"/>
+    <p:sldId id="260" r:id="rId13"/>
   </p:sldIdLst>
   <p:sldSz cx="12192000" cy="6858000"/>
   <p:notesSz cx="6858000" cy="9144000"/>
@@ -113,6 +115,11 @@
       </a:defRPr>
     </a:lvl9pPr>
   </p:defaultTextStyle>
+  <p:extLst>
+    <p:ext uri="{EFAFB233-063F-42B5-8137-9DF3F51BA10A}">
+      <p15:sldGuideLst xmlns:p15="http://schemas.microsoft.com/office/powerpoint/2012/main"/>
+    </p:ext>
+  </p:extLst>
 </p:presentation>
 </file>
 
@@ -7787,50 +7794,238 @@
           <a:p>
             <a:r>
               <a:rPr lang="is-IS" dirty="0" smtClean="0"/>
-              <a:t>Áhugaverð Gröf</a:t>
+              <a:t>Áhugavert</a:t>
             </a:r>
             <a:endParaRPr lang="is-IS" dirty="0"/>
           </a:p>
         </p:txBody>
       </p:sp>
-      <p:sp>
-        <p:nvSpPr>
-          <p:cNvPr id="3" name="Content Placeholder 2"/>
-          <p:cNvSpPr>
-            <a:spLocks noGrp="1"/>
-          </p:cNvSpPr>
+      <p:pic>
+        <p:nvPicPr>
+          <p:cNvPr id="4" name="Content Placeholder 3"/>
+          <p:cNvPicPr>
+            <a:picLocks noGrp="1" noChangeAspect="1"/>
+          </p:cNvPicPr>
           <p:nvPr>
             <p:ph idx="1"/>
           </p:nvPr>
-        </p:nvSpPr>
-        <p:spPr/>
-        <p:txBody>
-          <a:bodyPr/>
-          <a:lstStyle/>
-          <a:p>
-            <a:endParaRPr lang="is-IS"/>
-          </a:p>
-        </p:txBody>
-      </p:sp>
+        </p:nvPicPr>
+        <p:blipFill>
+          <a:blip r:embed="rId2">
+            <a:extLst>
+              <a:ext uri="{28A0092B-C50C-407E-A947-70E740481C1C}">
+                <a14:useLocalDpi xmlns:a14="http://schemas.microsoft.com/office/drawing/2010/main" val="0"/>
+              </a:ext>
+            </a:extLst>
+          </a:blip>
+          <a:stretch>
+            <a:fillRect/>
+          </a:stretch>
+        </p:blipFill>
+        <p:spPr>
+          <a:xfrm>
+            <a:off x="2528829" y="2896840"/>
+            <a:ext cx="9330938" cy="3710994"/>
+          </a:xfrm>
+        </p:spPr>
+      </p:pic>
     </p:spTree>
     <p:extLst>
       <p:ext uri="{BB962C8B-B14F-4D97-AF65-F5344CB8AC3E}">
-        <p14:creationId xmlns:p14="http://schemas.microsoft.com/office/powerpoint/2010/main" val="1428249607"/>
+        <p14:creationId xmlns:p14="http://schemas.microsoft.com/office/powerpoint/2010/main" val="821489740"/>
       </p:ext>
     </p:extLst>
   </p:cSld>
   <p:clrMapOvr>
     <a:masterClrMapping/>
   </p:clrMapOvr>
-  <mc:AlternateContent xmlns:mc="http://schemas.openxmlformats.org/markup-compatibility/2006">
-    <mc:Choice xmlns:p14="http://schemas.microsoft.com/office/powerpoint/2010/main" Requires="p14">
-      <p:transition spd="slow" p14:dur="1500">
-        <p:split orient="vert"/>
+  <mc:AlternateContent xmlns:mc="http://schemas.openxmlformats.org/markup-compatibility/2006" xmlns:p15="http://schemas.microsoft.com/office/powerpoint/2012/main">
+    <mc:Choice Requires="p15">
+      <p:transition xmlns:p14="http://schemas.microsoft.com/office/powerpoint/2010/main" spd="slow" p14:dur="2000">
+        <p15:prstTrans prst="fallOver"/>
       </p:transition>
     </mc:Choice>
-    <mc:Fallback>
+    <mc:Fallback xmlns="">
       <p:transition spd="slow">
-        <p:split orient="vert"/>
+        <p:fade/>
+      </p:transition>
+    </mc:Fallback>
+  </mc:AlternateContent>
+  <p:timing>
+    <p:tnLst>
+      <p:par>
+        <p:cTn id="1" dur="indefinite" restart="never" nodeType="tmRoot"/>
+      </p:par>
+    </p:tnLst>
+  </p:timing>
+</p:sld>
+</file>
+
+<file path=ppt/slides/slide11.xml><?xml version="1.0" encoding="utf-8"?>
+<p:sld xmlns:a="http://schemas.openxmlformats.org/drawingml/2006/main" xmlns:r="http://schemas.openxmlformats.org/officeDocument/2006/relationships" xmlns:p="http://schemas.openxmlformats.org/presentationml/2006/main">
+  <p:cSld>
+    <p:spTree>
+      <p:nvGrpSpPr>
+        <p:cNvPr id="1" name=""/>
+        <p:cNvGrpSpPr/>
+        <p:nvPr/>
+      </p:nvGrpSpPr>
+      <p:grpSpPr>
+        <a:xfrm>
+          <a:off x="0" y="0"/>
+          <a:ext cx="0" cy="0"/>
+          <a:chOff x="0" y="0"/>
+          <a:chExt cx="0" cy="0"/>
+        </a:xfrm>
+      </p:grpSpPr>
+      <p:sp>
+        <p:nvSpPr>
+          <p:cNvPr id="2" name="Title 1"/>
+          <p:cNvSpPr>
+            <a:spLocks noGrp="1"/>
+          </p:cNvSpPr>
+          <p:nvPr>
+            <p:ph type="title"/>
+          </p:nvPr>
+        </p:nvSpPr>
+        <p:spPr/>
+        <p:txBody>
+          <a:bodyPr/>
+          <a:lstStyle/>
+          <a:p>
+            <a:r>
+              <a:rPr lang="is-IS" dirty="0" smtClean="0"/>
+              <a:t>Stórasta Land í heimi.</a:t>
+            </a:r>
+            <a:endParaRPr lang="is-IS" dirty="0"/>
+          </a:p>
+        </p:txBody>
+      </p:sp>
+      <p:sp>
+        <p:nvSpPr>
+          <p:cNvPr id="3" name="Content Placeholder 2"/>
+          <p:cNvSpPr>
+            <a:spLocks noGrp="1"/>
+          </p:cNvSpPr>
+          <p:nvPr>
+            <p:ph idx="1"/>
+          </p:nvPr>
+        </p:nvSpPr>
+        <p:spPr/>
+        <p:txBody>
+          <a:bodyPr/>
+          <a:lstStyle/>
+          <a:p>
+            <a:endParaRPr lang="is-IS" dirty="0"/>
+          </a:p>
+        </p:txBody>
+      </p:sp>
+    </p:spTree>
+    <p:extLst>
+      <p:ext uri="{BB962C8B-B14F-4D97-AF65-F5344CB8AC3E}">
+        <p14:creationId xmlns:p14="http://schemas.microsoft.com/office/powerpoint/2010/main" val="2430113801"/>
+      </p:ext>
+    </p:extLst>
+  </p:cSld>
+  <p:clrMapOvr>
+    <a:masterClrMapping/>
+  </p:clrMapOvr>
+  <mc:AlternateContent xmlns:mc="http://schemas.openxmlformats.org/markup-compatibility/2006" xmlns:p15="http://schemas.microsoft.com/office/powerpoint/2012/main">
+    <mc:Choice Requires="p15">
+      <p:transition xmlns:p14="http://schemas.microsoft.com/office/powerpoint/2010/main" spd="slow" p14:dur="1250">
+        <p15:prstTrans prst="airplane"/>
+      </p:transition>
+    </mc:Choice>
+    <mc:Fallback xmlns="">
+      <p:transition spd="slow">
+        <p:fade/>
+      </p:transition>
+    </mc:Fallback>
+  </mc:AlternateContent>
+  <p:timing>
+    <p:tnLst>
+      <p:par>
+        <p:cTn id="1" dur="indefinite" restart="never" nodeType="tmRoot"/>
+      </p:par>
+    </p:tnLst>
+  </p:timing>
+</p:sld>
+</file>
+
+<file path=ppt/slides/slide12.xml><?xml version="1.0" encoding="utf-8"?>
+<p:sld xmlns:a="http://schemas.openxmlformats.org/drawingml/2006/main" xmlns:r="http://schemas.openxmlformats.org/officeDocument/2006/relationships" xmlns:p="http://schemas.openxmlformats.org/presentationml/2006/main">
+  <p:cSld>
+    <p:spTree>
+      <p:nvGrpSpPr>
+        <p:cNvPr id="1" name=""/>
+        <p:cNvGrpSpPr/>
+        <p:nvPr/>
+      </p:nvGrpSpPr>
+      <p:grpSpPr>
+        <a:xfrm>
+          <a:off x="0" y="0"/>
+          <a:ext cx="0" cy="0"/>
+          <a:chOff x="0" y="0"/>
+          <a:chExt cx="0" cy="0"/>
+        </a:xfrm>
+      </p:grpSpPr>
+      <p:sp>
+        <p:nvSpPr>
+          <p:cNvPr id="2" name="Title 1"/>
+          <p:cNvSpPr>
+            <a:spLocks noGrp="1"/>
+          </p:cNvSpPr>
+          <p:nvPr>
+            <p:ph type="title"/>
+          </p:nvPr>
+        </p:nvSpPr>
+        <p:spPr/>
+        <p:txBody>
+          <a:bodyPr/>
+          <a:lstStyle/>
+          <a:p>
+            <a:endParaRPr lang="is-IS"/>
+          </a:p>
+        </p:txBody>
+      </p:sp>
+      <p:sp>
+        <p:nvSpPr>
+          <p:cNvPr id="3" name="Content Placeholder 2"/>
+          <p:cNvSpPr>
+            <a:spLocks noGrp="1"/>
+          </p:cNvSpPr>
+          <p:nvPr>
+            <p:ph idx="1"/>
+          </p:nvPr>
+        </p:nvSpPr>
+        <p:spPr/>
+        <p:txBody>
+          <a:bodyPr/>
+          <a:lstStyle/>
+          <a:p>
+            <a:endParaRPr lang="is-IS"/>
+          </a:p>
+        </p:txBody>
+      </p:sp>
+    </p:spTree>
+    <p:extLst>
+      <p:ext uri="{BB962C8B-B14F-4D97-AF65-F5344CB8AC3E}">
+        <p14:creationId xmlns:p14="http://schemas.microsoft.com/office/powerpoint/2010/main" val="407384379"/>
+      </p:ext>
+    </p:extLst>
+  </p:cSld>
+  <p:clrMapOvr>
+    <a:masterClrMapping/>
+  </p:clrMapOvr>
+  <mc:AlternateContent xmlns:mc="http://schemas.openxmlformats.org/markup-compatibility/2006" xmlns:p15="http://schemas.microsoft.com/office/powerpoint/2012/main">
+    <mc:Choice Requires="p15">
+      <p:transition xmlns:p14="http://schemas.microsoft.com/office/powerpoint/2010/main" spd="slow" p14:dur="2000">
+        <p15:prstTrans prst="wind"/>
+      </p:transition>
+    </mc:Choice>
+    <mc:Fallback xmlns="">
+      <p:transition spd="slow">
+        <p:fade/>
       </p:transition>
     </mc:Fallback>
   </mc:AlternateContent>
@@ -7951,13 +8146,13 @@
   <p:clrMapOvr>
     <a:masterClrMapping/>
   </p:clrMapOvr>
-  <mc:AlternateContent xmlns:mc="http://schemas.openxmlformats.org/markup-compatibility/2006">
-    <mc:Choice xmlns:p14="http://schemas.microsoft.com/office/powerpoint/2010/main" Requires="p14">
+  <mc:AlternateContent xmlns:mc="http://schemas.openxmlformats.org/markup-compatibility/2006" xmlns:p14="http://schemas.microsoft.com/office/powerpoint/2010/main">
+    <mc:Choice Requires="p14">
       <p:transition spd="med" p14:dur="700">
         <p:fade/>
       </p:transition>
     </mc:Choice>
-    <mc:Fallback>
+    <mc:Fallback xmlns="">
       <p:transition spd="med">
         <p:fade/>
       </p:transition>
@@ -8005,11 +8200,7 @@
           <a:bodyPr/>
           <a:lstStyle/>
           <a:p>
-            <a:r>
-              <a:rPr lang="is-IS" dirty="0" smtClean="0"/>
-              <a:t>Leiðin í SQL</a:t>
-            </a:r>
-            <a:endParaRPr lang="is-IS" dirty="0"/>
+            <a:endParaRPr lang="en-GB"/>
           </a:p>
         </p:txBody>
       </p:sp>
@@ -8028,23 +8219,50 @@
           <a:bodyPr/>
           <a:lstStyle/>
           <a:p>
-            <a:endParaRPr lang="is-IS" dirty="0"/>
-          </a:p>
-        </p:txBody>
-      </p:sp>
+            <a:endParaRPr lang="en-GB"/>
+          </a:p>
+        </p:txBody>
+      </p:sp>
+      <p:pic>
+        <p:nvPicPr>
+          <p:cNvPr id="4" name="Picture 3"/>
+          <p:cNvPicPr>
+            <a:picLocks noChangeAspect="1"/>
+          </p:cNvPicPr>
+          <p:nvPr/>
+        </p:nvPicPr>
+        <p:blipFill>
+          <a:blip r:embed="rId2">
+            <a:extLst>
+              <a:ext uri="{28A0092B-C50C-407E-A947-70E740481C1C}">
+                <a14:useLocalDpi xmlns:a14="http://schemas.microsoft.com/office/drawing/2010/main" val="0"/>
+              </a:ext>
+            </a:extLst>
+          </a:blip>
+          <a:stretch>
+            <a:fillRect/>
+          </a:stretch>
+        </p:blipFill>
+        <p:spPr>
+          <a:xfrm>
+            <a:off x="3407433" y="1393436"/>
+            <a:ext cx="6472687" cy="4981484"/>
+          </a:xfrm>
+          <a:prstGeom prst="rect">
+            <a:avLst/>
+          </a:prstGeom>
+        </p:spPr>
+      </p:pic>
     </p:spTree>
     <p:extLst>
       <p:ext uri="{BB962C8B-B14F-4D97-AF65-F5344CB8AC3E}">
-        <p14:creationId xmlns:p14="http://schemas.microsoft.com/office/powerpoint/2010/main" val="418967576"/>
+        <p14:creationId xmlns:p14="http://schemas.microsoft.com/office/powerpoint/2010/main" val="1780333106"/>
       </p:ext>
     </p:extLst>
   </p:cSld>
   <p:clrMapOvr>
     <a:masterClrMapping/>
   </p:clrMapOvr>
-  <p:transition spd="slow">
-    <p:push dir="u"/>
-  </p:transition>
   <p:timing>
     <p:tnLst>
       <p:par>
@@ -8089,15 +8307,7 @@
           <a:p>
             <a:r>
               <a:rPr lang="is-IS" dirty="0" smtClean="0"/>
-              <a:t>Leiðin </a:t>
-            </a:r>
-            <a:r>
-              <a:rPr lang="is-IS" dirty="0" err="1" smtClean="0"/>
-              <a:t>úr</a:t>
-            </a:r>
-            <a:r>
-              <a:rPr lang="is-IS" dirty="0" smtClean="0"/>
-              <a:t> SQL</a:t>
+              <a:t>Leiðin í SQL</a:t>
             </a:r>
             <a:endParaRPr lang="is-IS" dirty="0"/>
           </a:p>
@@ -8118,32 +8328,23 @@
           <a:bodyPr/>
           <a:lstStyle/>
           <a:p>
-            <a:endParaRPr lang="is-IS"/>
+            <a:endParaRPr lang="is-IS" dirty="0"/>
           </a:p>
         </p:txBody>
       </p:sp>
     </p:spTree>
     <p:extLst>
       <p:ext uri="{BB962C8B-B14F-4D97-AF65-F5344CB8AC3E}">
-        <p14:creationId xmlns:p14="http://schemas.microsoft.com/office/powerpoint/2010/main" val="574316553"/>
+        <p14:creationId xmlns:p14="http://schemas.microsoft.com/office/powerpoint/2010/main" val="418967576"/>
       </p:ext>
     </p:extLst>
   </p:cSld>
   <p:clrMapOvr>
     <a:masterClrMapping/>
   </p:clrMapOvr>
-  <mc:AlternateContent xmlns:mc="http://schemas.openxmlformats.org/markup-compatibility/2006">
-    <mc:Choice xmlns:p14="http://schemas.microsoft.com/office/powerpoint/2010/main" Requires="p14">
-      <p:transition spd="slow" p14:dur="3400">
-        <p14:reveal/>
-      </p:transition>
-    </mc:Choice>
-    <mc:Fallback>
-      <p:transition spd="slow">
-        <p:fade/>
-      </p:transition>
-    </mc:Fallback>
-  </mc:AlternateContent>
+  <p:transition spd="slow">
+    <p:push dir="u"/>
+  </p:transition>
   <p:timing>
     <p:tnLst>
       <p:par>
@@ -8188,7 +8389,15 @@
           <a:p>
             <a:r>
               <a:rPr lang="is-IS" dirty="0" smtClean="0"/>
-              <a:t>Áhugavert</a:t>
+              <a:t>Leiðin </a:t>
+            </a:r>
+            <a:r>
+              <a:rPr lang="is-IS" dirty="0" err="1" smtClean="0"/>
+              <a:t>úr</a:t>
+            </a:r>
+            <a:r>
+              <a:rPr lang="is-IS" dirty="0" smtClean="0"/>
+              <a:t> SQL</a:t>
             </a:r>
             <a:endParaRPr lang="is-IS" dirty="0"/>
           </a:p>
@@ -8216,20 +8425,20 @@
     </p:spTree>
     <p:extLst>
       <p:ext uri="{BB962C8B-B14F-4D97-AF65-F5344CB8AC3E}">
-        <p14:creationId xmlns:p14="http://schemas.microsoft.com/office/powerpoint/2010/main" val="821489740"/>
+        <p14:creationId xmlns:p14="http://schemas.microsoft.com/office/powerpoint/2010/main" val="574316553"/>
       </p:ext>
     </p:extLst>
   </p:cSld>
   <p:clrMapOvr>
     <a:masterClrMapping/>
   </p:clrMapOvr>
-  <mc:AlternateContent xmlns:mc="http://schemas.openxmlformats.org/markup-compatibility/2006">
-    <mc:Choice xmlns:p15="http://schemas.microsoft.com/office/powerpoint/2012/main" Requires="p15">
-      <p:transition xmlns:p14="http://schemas.microsoft.com/office/powerpoint/2010/main" spd="slow" p14:dur="2000">
-        <p15:prstTrans prst="fallOver"/>
+  <mc:AlternateContent xmlns:mc="http://schemas.openxmlformats.org/markup-compatibility/2006" xmlns:p14="http://schemas.microsoft.com/office/powerpoint/2010/main">
+    <mc:Choice Requires="p14">
+      <p:transition spd="slow" p14:dur="3400">
+        <p14:reveal/>
       </p:transition>
     </mc:Choice>
-    <mc:Fallback>
+    <mc:Fallback xmlns="">
       <p:transition spd="slow">
         <p:fade/>
       </p:transition>
@@ -8279,7 +8488,7 @@
           <a:p>
             <a:r>
               <a:rPr lang="is-IS" dirty="0" smtClean="0"/>
-              <a:t>Stórasta Land í heimi.</a:t>
+              <a:t>Áhugaverð Gröf</a:t>
             </a:r>
             <a:endParaRPr lang="is-IS" dirty="0"/>
           </a:p>
@@ -8295,34 +8504,133 @@
             <p:ph idx="1"/>
           </p:nvPr>
         </p:nvSpPr>
-        <p:spPr/>
+        <p:spPr>
+          <a:xfrm>
+            <a:off x="2589212" y="2133600"/>
+            <a:ext cx="3895515" cy="3777622"/>
+          </a:xfrm>
+        </p:spPr>
         <p:txBody>
           <a:bodyPr/>
           <a:lstStyle/>
           <a:p>
+            <a:r>
+              <a:rPr lang="is-IS" dirty="0" smtClean="0"/>
+              <a:t>Öllu gögn frá WorldBank eru lesin inn og hægt er að skoða hvern „vísi“ fyrir hvert land</a:t>
+            </a:r>
             <a:endParaRPr lang="is-IS" dirty="0"/>
           </a:p>
         </p:txBody>
       </p:sp>
+      <p:pic>
+        <p:nvPicPr>
+          <p:cNvPr id="5" name="Picture 4"/>
+          <p:cNvPicPr>
+            <a:picLocks noChangeAspect="1"/>
+          </p:cNvPicPr>
+          <p:nvPr/>
+        </p:nvPicPr>
+        <p:blipFill>
+          <a:blip r:embed="rId2">
+            <a:extLst>
+              <a:ext uri="{28A0092B-C50C-407E-A947-70E740481C1C}">
+                <a14:useLocalDpi xmlns:a14="http://schemas.microsoft.com/office/drawing/2010/main" val="0"/>
+              </a:ext>
+            </a:extLst>
+          </a:blip>
+          <a:stretch>
+            <a:fillRect/>
+          </a:stretch>
+        </p:blipFill>
+        <p:spPr>
+          <a:xfrm>
+            <a:off x="5582300" y="4248186"/>
+            <a:ext cx="2932935" cy="1753019"/>
+          </a:xfrm>
+          <a:prstGeom prst="rect">
+            <a:avLst/>
+          </a:prstGeom>
+        </p:spPr>
+      </p:pic>
+      <p:pic>
+        <p:nvPicPr>
+          <p:cNvPr id="6" name="Picture 5"/>
+          <p:cNvPicPr>
+            <a:picLocks noChangeAspect="1"/>
+          </p:cNvPicPr>
+          <p:nvPr/>
+        </p:nvPicPr>
+        <p:blipFill>
+          <a:blip r:embed="rId3">
+            <a:extLst>
+              <a:ext uri="{28A0092B-C50C-407E-A947-70E740481C1C}">
+                <a14:useLocalDpi xmlns:a14="http://schemas.microsoft.com/office/drawing/2010/main" val="0"/>
+              </a:ext>
+            </a:extLst>
+          </a:blip>
+          <a:stretch>
+            <a:fillRect/>
+          </a:stretch>
+        </p:blipFill>
+        <p:spPr>
+          <a:xfrm>
+            <a:off x="8832436" y="1370219"/>
+            <a:ext cx="2514600" cy="4629150"/>
+          </a:xfrm>
+          <a:prstGeom prst="rect">
+            <a:avLst/>
+          </a:prstGeom>
+        </p:spPr>
+      </p:pic>
+      <p:pic>
+        <p:nvPicPr>
+          <p:cNvPr id="7" name="Picture 6"/>
+          <p:cNvPicPr>
+            <a:picLocks noChangeAspect="1"/>
+          </p:cNvPicPr>
+          <p:nvPr/>
+        </p:nvPicPr>
+        <p:blipFill>
+          <a:blip r:embed="rId4" cstate="print">
+            <a:extLst>
+              <a:ext uri="{28A0092B-C50C-407E-A947-70E740481C1C}">
+                <a14:useLocalDpi xmlns:a14="http://schemas.microsoft.com/office/drawing/2010/main" val="0"/>
+              </a:ext>
+            </a:extLst>
+          </a:blip>
+          <a:stretch>
+            <a:fillRect/>
+          </a:stretch>
+        </p:blipFill>
+        <p:spPr>
+          <a:xfrm>
+            <a:off x="2295914" y="4248186"/>
+            <a:ext cx="2969185" cy="1751183"/>
+          </a:xfrm>
+          <a:prstGeom prst="rect">
+            <a:avLst/>
+          </a:prstGeom>
+        </p:spPr>
+      </p:pic>
     </p:spTree>
     <p:extLst>
       <p:ext uri="{BB962C8B-B14F-4D97-AF65-F5344CB8AC3E}">
-        <p14:creationId xmlns:p14="http://schemas.microsoft.com/office/powerpoint/2010/main" val="2430113801"/>
+        <p14:creationId xmlns:p14="http://schemas.microsoft.com/office/powerpoint/2010/main" val="1428249607"/>
       </p:ext>
     </p:extLst>
   </p:cSld>
   <p:clrMapOvr>
     <a:masterClrMapping/>
   </p:clrMapOvr>
-  <mc:AlternateContent xmlns:mc="http://schemas.openxmlformats.org/markup-compatibility/2006">
-    <mc:Choice xmlns:p15="http://schemas.microsoft.com/office/powerpoint/2012/main" Requires="p15">
-      <p:transition xmlns:p14="http://schemas.microsoft.com/office/powerpoint/2010/main" spd="slow" p14:dur="1250">
-        <p15:prstTrans prst="airplane"/>
+  <mc:AlternateContent xmlns:mc="http://schemas.openxmlformats.org/markup-compatibility/2006" xmlns:p14="http://schemas.microsoft.com/office/powerpoint/2010/main">
+    <mc:Choice Requires="p14">
+      <p:transition spd="slow" p14:dur="1500">
+        <p:split orient="vert"/>
       </p:transition>
     </mc:Choice>
-    <mc:Fallback>
+    <mc:Fallback xmlns="">
       <p:transition spd="slow">
-        <p:fade/>
+        <p:split orient="vert"/>
       </p:transition>
     </mc:Fallback>
   </mc:AlternateContent>
@@ -8368,51 +8676,49 @@
           <a:bodyPr/>
           <a:lstStyle/>
           <a:p>
-            <a:endParaRPr lang="is-IS"/>
-          </a:p>
-        </p:txBody>
-      </p:sp>
-      <p:sp>
-        <p:nvSpPr>
-          <p:cNvPr id="3" name="Content Placeholder 2"/>
-          <p:cNvSpPr>
-            <a:spLocks noGrp="1"/>
-          </p:cNvSpPr>
+            <a:endParaRPr lang="en-GB"/>
+          </a:p>
+        </p:txBody>
+      </p:sp>
+      <p:pic>
+        <p:nvPicPr>
+          <p:cNvPr id="4" name="Content Placeholder 3"/>
+          <p:cNvPicPr>
+            <a:picLocks noGrp="1" noChangeAspect="1"/>
+          </p:cNvPicPr>
           <p:nvPr>
             <p:ph idx="1"/>
           </p:nvPr>
-        </p:nvSpPr>
-        <p:spPr/>
-        <p:txBody>
-          <a:bodyPr/>
-          <a:lstStyle/>
-          <a:p>
-            <a:endParaRPr lang="is-IS"/>
-          </a:p>
-        </p:txBody>
-      </p:sp>
+        </p:nvPicPr>
+        <p:blipFill>
+          <a:blip r:embed="rId2">
+            <a:extLst>
+              <a:ext uri="{28A0092B-C50C-407E-A947-70E740481C1C}">
+                <a14:useLocalDpi xmlns:a14="http://schemas.microsoft.com/office/drawing/2010/main" val="0"/>
+              </a:ext>
+            </a:extLst>
+          </a:blip>
+          <a:stretch>
+            <a:fillRect/>
+          </a:stretch>
+        </p:blipFill>
+        <p:spPr>
+          <a:xfrm>
+            <a:off x="0" y="0"/>
+            <a:ext cx="12192000" cy="7190670"/>
+          </a:xfrm>
+        </p:spPr>
+      </p:pic>
     </p:spTree>
     <p:extLst>
       <p:ext uri="{BB962C8B-B14F-4D97-AF65-F5344CB8AC3E}">
-        <p14:creationId xmlns:p14="http://schemas.microsoft.com/office/powerpoint/2010/main" val="407384379"/>
+        <p14:creationId xmlns:p14="http://schemas.microsoft.com/office/powerpoint/2010/main" val="3560646934"/>
       </p:ext>
     </p:extLst>
   </p:cSld>
   <p:clrMapOvr>
     <a:masterClrMapping/>
   </p:clrMapOvr>
-  <mc:AlternateContent xmlns:mc="http://schemas.openxmlformats.org/markup-compatibility/2006">
-    <mc:Choice xmlns:p15="http://schemas.microsoft.com/office/powerpoint/2012/main" Requires="p15">
-      <p:transition xmlns:p14="http://schemas.microsoft.com/office/powerpoint/2010/main" spd="slow" p14:dur="2000">
-        <p15:prstTrans prst="wind"/>
-      </p:transition>
-    </mc:Choice>
-    <mc:Fallback>
-      <p:transition spd="slow">
-        <p:fade/>
-      </p:transition>
-    </mc:Fallback>
-  </mc:AlternateContent>
   <p:timing>
     <p:tnLst>
       <p:par>
@@ -8478,10 +8784,44 @@
           <a:bodyPr/>
           <a:lstStyle/>
           <a:p>
-            <a:endParaRPr lang="is-IS"/>
-          </a:p>
-        </p:txBody>
-      </p:sp>
+            <a:r>
+              <a:rPr lang="is-IS" dirty="0" smtClean="0"/>
+              <a:t>Hægt er að velja viðfangsefni eins og t.d. „Fertility Rate“ eða „Life expectancy at birth“ og fá lista yfir þau lönd sem lenda hæst á þeim lista.</a:t>
+            </a:r>
+            <a:endParaRPr lang="is-IS" dirty="0"/>
+          </a:p>
+        </p:txBody>
+      </p:sp>
+      <p:pic>
+        <p:nvPicPr>
+          <p:cNvPr id="4" name="Picture 3"/>
+          <p:cNvPicPr>
+            <a:picLocks noChangeAspect="1"/>
+          </p:cNvPicPr>
+          <p:nvPr/>
+        </p:nvPicPr>
+        <p:blipFill>
+          <a:blip r:embed="rId2">
+            <a:extLst>
+              <a:ext uri="{28A0092B-C50C-407E-A947-70E740481C1C}">
+                <a14:useLocalDpi xmlns:a14="http://schemas.microsoft.com/office/drawing/2010/main" val="0"/>
+              </a:ext>
+            </a:extLst>
+          </a:blip>
+          <a:stretch>
+            <a:fillRect/>
+          </a:stretch>
+        </p:blipFill>
+        <p:spPr>
+          <a:xfrm>
+            <a:off x="2589212" y="2931903"/>
+            <a:ext cx="8915400" cy="3750991"/>
+          </a:xfrm>
+          <a:prstGeom prst="rect">
+            <a:avLst/>
+          </a:prstGeom>
+        </p:spPr>
+      </p:pic>
     </p:spTree>
     <p:extLst>
       <p:ext uri="{BB962C8B-B14F-4D97-AF65-F5344CB8AC3E}">
@@ -8492,13 +8832,13 @@
   <p:clrMapOvr>
     <a:masterClrMapping/>
   </p:clrMapOvr>
-  <mc:AlternateContent xmlns:mc="http://schemas.openxmlformats.org/markup-compatibility/2006">
-    <mc:Choice xmlns:p14="http://schemas.microsoft.com/office/powerpoint/2010/main" Requires="p14">
+  <mc:AlternateContent xmlns:mc="http://schemas.openxmlformats.org/markup-compatibility/2006" xmlns:p14="http://schemas.microsoft.com/office/powerpoint/2010/main">
+    <mc:Choice Requires="p14">
       <p:transition spd="slow">
         <p14:flash/>
       </p:transition>
     </mc:Choice>
-    <mc:Fallback>
+    <mc:Fallback xmlns="">
       <p:transition spd="slow">
         <p:fade/>
       </p:transition>
@@ -8546,26 +8886,288 @@
           <a:bodyPr/>
           <a:lstStyle/>
           <a:p>
-            <a:endParaRPr lang="is-IS"/>
-          </a:p>
-        </p:txBody>
-      </p:sp>
-      <p:sp>
-        <p:nvSpPr>
-          <p:cNvPr id="3" name="Content Placeholder 2"/>
-          <p:cNvSpPr>
-            <a:spLocks noGrp="1"/>
-          </p:cNvSpPr>
+            <a:r>
+              <a:rPr lang="is-IS" dirty="0"/>
+              <a:t>Topp tíu listi</a:t>
+            </a:r>
+            <a:endParaRPr lang="is-IS" dirty="0"/>
+          </a:p>
+        </p:txBody>
+      </p:sp>
+      <p:pic>
+        <p:nvPicPr>
+          <p:cNvPr id="4" name="Content Placeholder 3"/>
+          <p:cNvPicPr>
+            <a:picLocks noGrp="1" noChangeAspect="1"/>
+          </p:cNvPicPr>
           <p:nvPr>
             <p:ph idx="1"/>
           </p:nvPr>
-        </p:nvSpPr>
-        <p:spPr/>
-        <p:txBody>
-          <a:bodyPr/>
-          <a:lstStyle/>
-          <a:p>
-            <a:endParaRPr lang="is-IS"/>
+        </p:nvPicPr>
+        <p:blipFill>
+          <a:blip r:embed="rId2">
+            <a:extLst>
+              <a:ext uri="{28A0092B-C50C-407E-A947-70E740481C1C}">
+                <a14:useLocalDpi xmlns:a14="http://schemas.microsoft.com/office/drawing/2010/main" val="0"/>
+              </a:ext>
+            </a:extLst>
+          </a:blip>
+          <a:stretch>
+            <a:fillRect/>
+          </a:stretch>
+        </p:blipFill>
+        <p:spPr>
+          <a:xfrm>
+            <a:off x="2589212" y="2926996"/>
+            <a:ext cx="8915400" cy="3761466"/>
+          </a:xfrm>
+        </p:spPr>
+      </p:pic>
+      <p:sp>
+        <p:nvSpPr>
+          <p:cNvPr id="5" name="Content Placeholder 2"/>
+          <p:cNvSpPr txBox="1">
+            <a:spLocks/>
+          </p:cNvSpPr>
+          <p:nvPr/>
+        </p:nvSpPr>
+        <p:spPr>
+          <a:xfrm>
+            <a:off x="2589212" y="2133600"/>
+            <a:ext cx="8915400" cy="3777622"/>
+          </a:xfrm>
+          <a:prstGeom prst="rect">
+            <a:avLst/>
+          </a:prstGeom>
+        </p:spPr>
+        <p:txBody>
+          <a:bodyPr vert="horz" lIns="91440" tIns="45720" rIns="91440" bIns="45720" rtlCol="0">
+            <a:normAutofit/>
+          </a:bodyPr>
+          <a:lstStyle>
+            <a:lvl1pPr marL="342900" indent="-342900" algn="l" defTabSz="457200" rtl="0" eaLnBrk="1" latinLnBrk="0" hangingPunct="1">
+              <a:spcBef>
+                <a:spcPts val="1000"/>
+              </a:spcBef>
+              <a:spcAft>
+                <a:spcPts val="0"/>
+              </a:spcAft>
+              <a:buClr>
+                <a:schemeClr val="accent1"/>
+              </a:buClr>
+              <a:buFont typeface="Wingdings 3" charset="2"/>
+              <a:buChar char=""/>
+              <a:defRPr sz="1800" kern="1200">
+                <a:solidFill>
+                  <a:schemeClr val="tx1">
+                    <a:lumMod val="75000"/>
+                    <a:lumOff val="25000"/>
+                  </a:schemeClr>
+                </a:solidFill>
+                <a:latin typeface="+mn-lt"/>
+                <a:ea typeface="+mn-ea"/>
+                <a:cs typeface="+mn-cs"/>
+              </a:defRPr>
+            </a:lvl1pPr>
+            <a:lvl2pPr marL="742950" indent="-285750" algn="l" defTabSz="457200" rtl="0" eaLnBrk="1" latinLnBrk="0" hangingPunct="1">
+              <a:spcBef>
+                <a:spcPts val="1000"/>
+              </a:spcBef>
+              <a:spcAft>
+                <a:spcPts val="0"/>
+              </a:spcAft>
+              <a:buClr>
+                <a:schemeClr val="accent1"/>
+              </a:buClr>
+              <a:buFont typeface="Wingdings 3" charset="2"/>
+              <a:buChar char=""/>
+              <a:defRPr sz="1600" kern="1200">
+                <a:solidFill>
+                  <a:schemeClr val="tx1">
+                    <a:lumMod val="75000"/>
+                    <a:lumOff val="25000"/>
+                  </a:schemeClr>
+                </a:solidFill>
+                <a:latin typeface="+mn-lt"/>
+                <a:ea typeface="+mn-ea"/>
+                <a:cs typeface="+mn-cs"/>
+              </a:defRPr>
+            </a:lvl2pPr>
+            <a:lvl3pPr marL="1143000" indent="-228600" algn="l" defTabSz="457200" rtl="0" eaLnBrk="1" latinLnBrk="0" hangingPunct="1">
+              <a:spcBef>
+                <a:spcPts val="1000"/>
+              </a:spcBef>
+              <a:spcAft>
+                <a:spcPts val="0"/>
+              </a:spcAft>
+              <a:buClr>
+                <a:schemeClr val="accent1"/>
+              </a:buClr>
+              <a:buFont typeface="Wingdings 3" charset="2"/>
+              <a:buChar char=""/>
+              <a:defRPr sz="1400" kern="1200">
+                <a:solidFill>
+                  <a:schemeClr val="tx1">
+                    <a:lumMod val="75000"/>
+                    <a:lumOff val="25000"/>
+                  </a:schemeClr>
+                </a:solidFill>
+                <a:latin typeface="+mn-lt"/>
+                <a:ea typeface="+mn-ea"/>
+                <a:cs typeface="+mn-cs"/>
+              </a:defRPr>
+            </a:lvl3pPr>
+            <a:lvl4pPr marL="1600200" indent="-228600" algn="l" defTabSz="457200" rtl="0" eaLnBrk="1" latinLnBrk="0" hangingPunct="1">
+              <a:spcBef>
+                <a:spcPts val="1000"/>
+              </a:spcBef>
+              <a:spcAft>
+                <a:spcPts val="0"/>
+              </a:spcAft>
+              <a:buClr>
+                <a:schemeClr val="accent1"/>
+              </a:buClr>
+              <a:buFont typeface="Wingdings 3" charset="2"/>
+              <a:buChar char=""/>
+              <a:defRPr sz="1200" kern="1200">
+                <a:solidFill>
+                  <a:schemeClr val="tx1">
+                    <a:lumMod val="75000"/>
+                    <a:lumOff val="25000"/>
+                  </a:schemeClr>
+                </a:solidFill>
+                <a:latin typeface="+mn-lt"/>
+                <a:ea typeface="+mn-ea"/>
+                <a:cs typeface="+mn-cs"/>
+              </a:defRPr>
+            </a:lvl4pPr>
+            <a:lvl5pPr marL="2057400" indent="-228600" algn="l" defTabSz="457200" rtl="0" eaLnBrk="1" latinLnBrk="0" hangingPunct="1">
+              <a:spcBef>
+                <a:spcPts val="1000"/>
+              </a:spcBef>
+              <a:spcAft>
+                <a:spcPts val="0"/>
+              </a:spcAft>
+              <a:buClr>
+                <a:schemeClr val="accent1"/>
+              </a:buClr>
+              <a:buFont typeface="Wingdings 3" charset="2"/>
+              <a:buChar char=""/>
+              <a:defRPr sz="1200" kern="1200">
+                <a:solidFill>
+                  <a:schemeClr val="tx1">
+                    <a:lumMod val="75000"/>
+                    <a:lumOff val="25000"/>
+                  </a:schemeClr>
+                </a:solidFill>
+                <a:latin typeface="+mn-lt"/>
+                <a:ea typeface="+mn-ea"/>
+                <a:cs typeface="+mn-cs"/>
+              </a:defRPr>
+            </a:lvl5pPr>
+            <a:lvl6pPr marL="2514600" indent="-228600" algn="l" defTabSz="457200" rtl="0" eaLnBrk="1" latinLnBrk="0" hangingPunct="1">
+              <a:spcBef>
+                <a:spcPts val="1000"/>
+              </a:spcBef>
+              <a:spcAft>
+                <a:spcPts val="0"/>
+              </a:spcAft>
+              <a:buClr>
+                <a:schemeClr val="accent1"/>
+              </a:buClr>
+              <a:buFont typeface="Wingdings 3" charset="2"/>
+              <a:buChar char=""/>
+              <a:defRPr sz="1200" kern="1200">
+                <a:solidFill>
+                  <a:schemeClr val="tx1">
+                    <a:lumMod val="75000"/>
+                    <a:lumOff val="25000"/>
+                  </a:schemeClr>
+                </a:solidFill>
+                <a:latin typeface="+mn-lt"/>
+                <a:ea typeface="+mn-ea"/>
+                <a:cs typeface="+mn-cs"/>
+              </a:defRPr>
+            </a:lvl6pPr>
+            <a:lvl7pPr marL="2971800" indent="-228600" algn="l" defTabSz="457200" rtl="0" eaLnBrk="1" latinLnBrk="0" hangingPunct="1">
+              <a:spcBef>
+                <a:spcPts val="1000"/>
+              </a:spcBef>
+              <a:spcAft>
+                <a:spcPts val="0"/>
+              </a:spcAft>
+              <a:buClr>
+                <a:schemeClr val="accent1"/>
+              </a:buClr>
+              <a:buFont typeface="Wingdings 3" charset="2"/>
+              <a:buChar char=""/>
+              <a:defRPr sz="1200" kern="1200">
+                <a:solidFill>
+                  <a:schemeClr val="tx1">
+                    <a:lumMod val="75000"/>
+                    <a:lumOff val="25000"/>
+                  </a:schemeClr>
+                </a:solidFill>
+                <a:latin typeface="+mn-lt"/>
+                <a:ea typeface="+mn-ea"/>
+                <a:cs typeface="+mn-cs"/>
+              </a:defRPr>
+            </a:lvl7pPr>
+            <a:lvl8pPr marL="3429000" indent="-228600" algn="l" defTabSz="457200" rtl="0" eaLnBrk="1" latinLnBrk="0" hangingPunct="1">
+              <a:spcBef>
+                <a:spcPts val="1000"/>
+              </a:spcBef>
+              <a:spcAft>
+                <a:spcPts val="0"/>
+              </a:spcAft>
+              <a:buClr>
+                <a:schemeClr val="accent1"/>
+              </a:buClr>
+              <a:buFont typeface="Wingdings 3" charset="2"/>
+              <a:buChar char=""/>
+              <a:defRPr sz="1200" kern="1200">
+                <a:solidFill>
+                  <a:schemeClr val="tx1">
+                    <a:lumMod val="75000"/>
+                    <a:lumOff val="25000"/>
+                  </a:schemeClr>
+                </a:solidFill>
+                <a:latin typeface="+mn-lt"/>
+                <a:ea typeface="+mn-ea"/>
+                <a:cs typeface="+mn-cs"/>
+              </a:defRPr>
+            </a:lvl8pPr>
+            <a:lvl9pPr marL="3886200" indent="-228600" algn="l" defTabSz="457200" rtl="0" eaLnBrk="1" latinLnBrk="0" hangingPunct="1">
+              <a:spcBef>
+                <a:spcPts val="1000"/>
+              </a:spcBef>
+              <a:spcAft>
+                <a:spcPts val="0"/>
+              </a:spcAft>
+              <a:buClr>
+                <a:schemeClr val="accent1"/>
+              </a:buClr>
+              <a:buFont typeface="Wingdings 3" charset="2"/>
+              <a:buChar char=""/>
+              <a:defRPr sz="1200" kern="1200">
+                <a:solidFill>
+                  <a:schemeClr val="tx1">
+                    <a:lumMod val="75000"/>
+                    <a:lumOff val="25000"/>
+                  </a:schemeClr>
+                </a:solidFill>
+                <a:latin typeface="+mn-lt"/>
+                <a:ea typeface="+mn-ea"/>
+                <a:cs typeface="+mn-cs"/>
+              </a:defRPr>
+            </a:lvl9pPr>
+          </a:lstStyle>
+          <a:p>
+            <a:r>
+              <a:rPr lang="is-IS" dirty="0" smtClean="0"/>
+              <a:t>Hægt að velja listan í öfugri röð, það land sem er valið (Ísland) kemur líka fyrir á listanum</a:t>
+            </a:r>
+            <a:endParaRPr lang="is-IS" dirty="0"/>
           </a:p>
         </p:txBody>
       </p:sp>

--- a/Verkefni3/Kynning.pptx
+++ b/Verkefni3/Kynning.pptx
@@ -7,16 +7,19 @@
   <p:sldIdLst>
     <p:sldId id="256" r:id="rId2"/>
     <p:sldId id="257" r:id="rId3"/>
-    <p:sldId id="267" r:id="rId4"/>
-    <p:sldId id="263" r:id="rId5"/>
-    <p:sldId id="264" r:id="rId6"/>
-    <p:sldId id="265" r:id="rId7"/>
-    <p:sldId id="266" r:id="rId8"/>
-    <p:sldId id="261" r:id="rId9"/>
-    <p:sldId id="262" r:id="rId10"/>
-    <p:sldId id="258" r:id="rId11"/>
-    <p:sldId id="259" r:id="rId12"/>
-    <p:sldId id="260" r:id="rId13"/>
+    <p:sldId id="268" r:id="rId4"/>
+    <p:sldId id="267" r:id="rId5"/>
+    <p:sldId id="263" r:id="rId6"/>
+    <p:sldId id="264" r:id="rId7"/>
+    <p:sldId id="269" r:id="rId8"/>
+    <p:sldId id="270" r:id="rId9"/>
+    <p:sldId id="259" r:id="rId10"/>
+    <p:sldId id="265" r:id="rId11"/>
+    <p:sldId id="266" r:id="rId12"/>
+    <p:sldId id="258" r:id="rId13"/>
+    <p:sldId id="261" r:id="rId14"/>
+    <p:sldId id="262" r:id="rId15"/>
+    <p:sldId id="260" r:id="rId16"/>
   </p:sldIdLst>
   <p:sldSz cx="12192000" cy="6858000"/>
   <p:notesSz cx="6858000" cy="9144000"/>
@@ -311,7 +314,7 @@
           <a:p>
             <a:fld id="{116642BD-D19B-4B0C-907F-FFDFD480C3A0}" type="datetimeFigureOut">
               <a:rPr lang="is-IS" smtClean="0"/>
-              <a:t>15.12.2014</a:t>
+              <a:t>16.12.2014</a:t>
             </a:fld>
             <a:endParaRPr lang="is-IS"/>
           </a:p>
@@ -649,7 +652,7 @@
           <a:p>
             <a:fld id="{116642BD-D19B-4B0C-907F-FFDFD480C3A0}" type="datetimeFigureOut">
               <a:rPr lang="is-IS" smtClean="0"/>
-              <a:t>15.12.2014</a:t>
+              <a:t>16.12.2014</a:t>
             </a:fld>
             <a:endParaRPr lang="is-IS"/>
           </a:p>
@@ -1050,7 +1053,7 @@
           <a:p>
             <a:fld id="{116642BD-D19B-4B0C-907F-FFDFD480C3A0}" type="datetimeFigureOut">
               <a:rPr lang="is-IS" smtClean="0"/>
-              <a:t>15.12.2014</a:t>
+              <a:t>16.12.2014</a:t>
             </a:fld>
             <a:endParaRPr lang="is-IS"/>
           </a:p>
@@ -1386,7 +1389,7 @@
           <a:p>
             <a:fld id="{116642BD-D19B-4B0C-907F-FFDFD480C3A0}" type="datetimeFigureOut">
               <a:rPr lang="is-IS" smtClean="0"/>
-              <a:t>15.12.2014</a:t>
+              <a:t>16.12.2014</a:t>
             </a:fld>
             <a:endParaRPr lang="is-IS"/>
           </a:p>
@@ -1706,7 +1709,7 @@
           <a:p>
             <a:fld id="{116642BD-D19B-4B0C-907F-FFDFD480C3A0}" type="datetimeFigureOut">
               <a:rPr lang="is-IS" smtClean="0"/>
-              <a:t>15.12.2014</a:t>
+              <a:t>16.12.2014</a:t>
             </a:fld>
             <a:endParaRPr lang="is-IS"/>
           </a:p>
@@ -2102,7 +2105,7 @@
           <a:p>
             <a:fld id="{116642BD-D19B-4B0C-907F-FFDFD480C3A0}" type="datetimeFigureOut">
               <a:rPr lang="is-IS" smtClean="0"/>
-              <a:t>15.12.2014</a:t>
+              <a:t>16.12.2014</a:t>
             </a:fld>
             <a:endParaRPr lang="is-IS"/>
           </a:p>
@@ -2359,7 +2362,7 @@
           <a:p>
             <a:fld id="{116642BD-D19B-4B0C-907F-FFDFD480C3A0}" type="datetimeFigureOut">
               <a:rPr lang="is-IS" smtClean="0"/>
-              <a:t>15.12.2014</a:t>
+              <a:t>16.12.2014</a:t>
             </a:fld>
             <a:endParaRPr lang="is-IS"/>
           </a:p>
@@ -2621,7 +2624,7 @@
           <a:p>
             <a:fld id="{116642BD-D19B-4B0C-907F-FFDFD480C3A0}" type="datetimeFigureOut">
               <a:rPr lang="is-IS" smtClean="0"/>
-              <a:t>15.12.2014</a:t>
+              <a:t>16.12.2014</a:t>
             </a:fld>
             <a:endParaRPr lang="is-IS"/>
           </a:p>
@@ -2883,7 +2886,7 @@
           <a:p>
             <a:fld id="{116642BD-D19B-4B0C-907F-FFDFD480C3A0}" type="datetimeFigureOut">
               <a:rPr lang="is-IS" smtClean="0"/>
-              <a:t>15.12.2014</a:t>
+              <a:t>16.12.2014</a:t>
             </a:fld>
             <a:endParaRPr lang="is-IS"/>
           </a:p>
@@ -3212,7 +3215,7 @@
           <a:p>
             <a:fld id="{116642BD-D19B-4B0C-907F-FFDFD480C3A0}" type="datetimeFigureOut">
               <a:rPr lang="is-IS" smtClean="0"/>
-              <a:t>15.12.2014</a:t>
+              <a:t>16.12.2014</a:t>
             </a:fld>
             <a:endParaRPr lang="is-IS"/>
           </a:p>
@@ -3535,7 +3538,7 @@
           <a:p>
             <a:fld id="{116642BD-D19B-4B0C-907F-FFDFD480C3A0}" type="datetimeFigureOut">
               <a:rPr lang="is-IS" smtClean="0"/>
-              <a:t>15.12.2014</a:t>
+              <a:t>16.12.2014</a:t>
             </a:fld>
             <a:endParaRPr lang="is-IS"/>
           </a:p>
@@ -3992,7 +3995,7 @@
           <a:p>
             <a:fld id="{116642BD-D19B-4B0C-907F-FFDFD480C3A0}" type="datetimeFigureOut">
               <a:rPr lang="is-IS" smtClean="0"/>
-              <a:t>15.12.2014</a:t>
+              <a:t>16.12.2014</a:t>
             </a:fld>
             <a:endParaRPr lang="is-IS"/>
           </a:p>
@@ -4197,7 +4200,7 @@
           <a:p>
             <a:fld id="{116642BD-D19B-4B0C-907F-FFDFD480C3A0}" type="datetimeFigureOut">
               <a:rPr lang="is-IS" smtClean="0"/>
-              <a:t>15.12.2014</a:t>
+              <a:t>16.12.2014</a:t>
             </a:fld>
             <a:endParaRPr lang="is-IS"/>
           </a:p>
@@ -4374,7 +4377,7 @@
           <a:p>
             <a:fld id="{116642BD-D19B-4B0C-907F-FFDFD480C3A0}" type="datetimeFigureOut">
               <a:rPr lang="is-IS" smtClean="0"/>
-              <a:t>15.12.2014</a:t>
+              <a:t>16.12.2014</a:t>
             </a:fld>
             <a:endParaRPr lang="is-IS"/>
           </a:p>
@@ -4707,7 +4710,7 @@
           <a:p>
             <a:fld id="{116642BD-D19B-4B0C-907F-FFDFD480C3A0}" type="datetimeFigureOut">
               <a:rPr lang="is-IS" smtClean="0"/>
-              <a:t>15.12.2014</a:t>
+              <a:t>16.12.2014</a:t>
             </a:fld>
             <a:endParaRPr lang="is-IS"/>
           </a:p>
@@ -5052,7 +5055,7 @@
           <a:p>
             <a:fld id="{116642BD-D19B-4B0C-907F-FFDFD480C3A0}" type="datetimeFigureOut">
               <a:rPr lang="is-IS" smtClean="0"/>
-              <a:t>15.12.2014</a:t>
+              <a:t>16.12.2014</a:t>
             </a:fld>
             <a:endParaRPr lang="is-IS"/>
           </a:p>
@@ -7169,7 +7172,7 @@
           <a:p>
             <a:fld id="{116642BD-D19B-4B0C-907F-FFDFD480C3A0}" type="datetimeFigureOut">
               <a:rPr lang="is-IS" smtClean="0"/>
-              <a:t>15.12.2014</a:t>
+              <a:t>16.12.2014</a:t>
             </a:fld>
             <a:endParaRPr lang="is-IS"/>
           </a:p>
@@ -7794,700 +7797,6 @@
           <a:p>
             <a:r>
               <a:rPr lang="is-IS" dirty="0" smtClean="0"/>
-              <a:t>Áhugavert</a:t>
-            </a:r>
-            <a:endParaRPr lang="is-IS" dirty="0"/>
-          </a:p>
-        </p:txBody>
-      </p:sp>
-      <p:pic>
-        <p:nvPicPr>
-          <p:cNvPr id="4" name="Content Placeholder 3"/>
-          <p:cNvPicPr>
-            <a:picLocks noGrp="1" noChangeAspect="1"/>
-          </p:cNvPicPr>
-          <p:nvPr>
-            <p:ph idx="1"/>
-          </p:nvPr>
-        </p:nvPicPr>
-        <p:blipFill>
-          <a:blip r:embed="rId2">
-            <a:extLst>
-              <a:ext uri="{28A0092B-C50C-407E-A947-70E740481C1C}">
-                <a14:useLocalDpi xmlns:a14="http://schemas.microsoft.com/office/drawing/2010/main" val="0"/>
-              </a:ext>
-            </a:extLst>
-          </a:blip>
-          <a:stretch>
-            <a:fillRect/>
-          </a:stretch>
-        </p:blipFill>
-        <p:spPr>
-          <a:xfrm>
-            <a:off x="2528829" y="2896840"/>
-            <a:ext cx="9330938" cy="3710994"/>
-          </a:xfrm>
-        </p:spPr>
-      </p:pic>
-    </p:spTree>
-    <p:extLst>
-      <p:ext uri="{BB962C8B-B14F-4D97-AF65-F5344CB8AC3E}">
-        <p14:creationId xmlns:p14="http://schemas.microsoft.com/office/powerpoint/2010/main" val="821489740"/>
-      </p:ext>
-    </p:extLst>
-  </p:cSld>
-  <p:clrMapOvr>
-    <a:masterClrMapping/>
-  </p:clrMapOvr>
-  <mc:AlternateContent xmlns:mc="http://schemas.openxmlformats.org/markup-compatibility/2006" xmlns:p15="http://schemas.microsoft.com/office/powerpoint/2012/main">
-    <mc:Choice Requires="p15">
-      <p:transition xmlns:p14="http://schemas.microsoft.com/office/powerpoint/2010/main" spd="slow" p14:dur="2000">
-        <p15:prstTrans prst="fallOver"/>
-      </p:transition>
-    </mc:Choice>
-    <mc:Fallback xmlns="">
-      <p:transition spd="slow">
-        <p:fade/>
-      </p:transition>
-    </mc:Fallback>
-  </mc:AlternateContent>
-  <p:timing>
-    <p:tnLst>
-      <p:par>
-        <p:cTn id="1" dur="indefinite" restart="never" nodeType="tmRoot"/>
-      </p:par>
-    </p:tnLst>
-  </p:timing>
-</p:sld>
-</file>
-
-<file path=ppt/slides/slide11.xml><?xml version="1.0" encoding="utf-8"?>
-<p:sld xmlns:a="http://schemas.openxmlformats.org/drawingml/2006/main" xmlns:r="http://schemas.openxmlformats.org/officeDocument/2006/relationships" xmlns:p="http://schemas.openxmlformats.org/presentationml/2006/main">
-  <p:cSld>
-    <p:spTree>
-      <p:nvGrpSpPr>
-        <p:cNvPr id="1" name=""/>
-        <p:cNvGrpSpPr/>
-        <p:nvPr/>
-      </p:nvGrpSpPr>
-      <p:grpSpPr>
-        <a:xfrm>
-          <a:off x="0" y="0"/>
-          <a:ext cx="0" cy="0"/>
-          <a:chOff x="0" y="0"/>
-          <a:chExt cx="0" cy="0"/>
-        </a:xfrm>
-      </p:grpSpPr>
-      <p:sp>
-        <p:nvSpPr>
-          <p:cNvPr id="2" name="Title 1"/>
-          <p:cNvSpPr>
-            <a:spLocks noGrp="1"/>
-          </p:cNvSpPr>
-          <p:nvPr>
-            <p:ph type="title"/>
-          </p:nvPr>
-        </p:nvSpPr>
-        <p:spPr/>
-        <p:txBody>
-          <a:bodyPr/>
-          <a:lstStyle/>
-          <a:p>
-            <a:r>
-              <a:rPr lang="is-IS" dirty="0" smtClean="0"/>
-              <a:t>Stórasta Land í heimi.</a:t>
-            </a:r>
-            <a:endParaRPr lang="is-IS" dirty="0"/>
-          </a:p>
-        </p:txBody>
-      </p:sp>
-      <p:sp>
-        <p:nvSpPr>
-          <p:cNvPr id="3" name="Content Placeholder 2"/>
-          <p:cNvSpPr>
-            <a:spLocks noGrp="1"/>
-          </p:cNvSpPr>
-          <p:nvPr>
-            <p:ph idx="1"/>
-          </p:nvPr>
-        </p:nvSpPr>
-        <p:spPr/>
-        <p:txBody>
-          <a:bodyPr/>
-          <a:lstStyle/>
-          <a:p>
-            <a:endParaRPr lang="is-IS" dirty="0"/>
-          </a:p>
-        </p:txBody>
-      </p:sp>
-    </p:spTree>
-    <p:extLst>
-      <p:ext uri="{BB962C8B-B14F-4D97-AF65-F5344CB8AC3E}">
-        <p14:creationId xmlns:p14="http://schemas.microsoft.com/office/powerpoint/2010/main" val="2430113801"/>
-      </p:ext>
-    </p:extLst>
-  </p:cSld>
-  <p:clrMapOvr>
-    <a:masterClrMapping/>
-  </p:clrMapOvr>
-  <mc:AlternateContent xmlns:mc="http://schemas.openxmlformats.org/markup-compatibility/2006" xmlns:p15="http://schemas.microsoft.com/office/powerpoint/2012/main">
-    <mc:Choice Requires="p15">
-      <p:transition xmlns:p14="http://schemas.microsoft.com/office/powerpoint/2010/main" spd="slow" p14:dur="1250">
-        <p15:prstTrans prst="airplane"/>
-      </p:transition>
-    </mc:Choice>
-    <mc:Fallback xmlns="">
-      <p:transition spd="slow">
-        <p:fade/>
-      </p:transition>
-    </mc:Fallback>
-  </mc:AlternateContent>
-  <p:timing>
-    <p:tnLst>
-      <p:par>
-        <p:cTn id="1" dur="indefinite" restart="never" nodeType="tmRoot"/>
-      </p:par>
-    </p:tnLst>
-  </p:timing>
-</p:sld>
-</file>
-
-<file path=ppt/slides/slide12.xml><?xml version="1.0" encoding="utf-8"?>
-<p:sld xmlns:a="http://schemas.openxmlformats.org/drawingml/2006/main" xmlns:r="http://schemas.openxmlformats.org/officeDocument/2006/relationships" xmlns:p="http://schemas.openxmlformats.org/presentationml/2006/main">
-  <p:cSld>
-    <p:spTree>
-      <p:nvGrpSpPr>
-        <p:cNvPr id="1" name=""/>
-        <p:cNvGrpSpPr/>
-        <p:nvPr/>
-      </p:nvGrpSpPr>
-      <p:grpSpPr>
-        <a:xfrm>
-          <a:off x="0" y="0"/>
-          <a:ext cx="0" cy="0"/>
-          <a:chOff x="0" y="0"/>
-          <a:chExt cx="0" cy="0"/>
-        </a:xfrm>
-      </p:grpSpPr>
-      <p:sp>
-        <p:nvSpPr>
-          <p:cNvPr id="2" name="Title 1"/>
-          <p:cNvSpPr>
-            <a:spLocks noGrp="1"/>
-          </p:cNvSpPr>
-          <p:nvPr>
-            <p:ph type="title"/>
-          </p:nvPr>
-        </p:nvSpPr>
-        <p:spPr/>
-        <p:txBody>
-          <a:bodyPr/>
-          <a:lstStyle/>
-          <a:p>
-            <a:endParaRPr lang="is-IS"/>
-          </a:p>
-        </p:txBody>
-      </p:sp>
-      <p:sp>
-        <p:nvSpPr>
-          <p:cNvPr id="3" name="Content Placeholder 2"/>
-          <p:cNvSpPr>
-            <a:spLocks noGrp="1"/>
-          </p:cNvSpPr>
-          <p:nvPr>
-            <p:ph idx="1"/>
-          </p:nvPr>
-        </p:nvSpPr>
-        <p:spPr/>
-        <p:txBody>
-          <a:bodyPr/>
-          <a:lstStyle/>
-          <a:p>
-            <a:endParaRPr lang="is-IS"/>
-          </a:p>
-        </p:txBody>
-      </p:sp>
-    </p:spTree>
-    <p:extLst>
-      <p:ext uri="{BB962C8B-B14F-4D97-AF65-F5344CB8AC3E}">
-        <p14:creationId xmlns:p14="http://schemas.microsoft.com/office/powerpoint/2010/main" val="407384379"/>
-      </p:ext>
-    </p:extLst>
-  </p:cSld>
-  <p:clrMapOvr>
-    <a:masterClrMapping/>
-  </p:clrMapOvr>
-  <mc:AlternateContent xmlns:mc="http://schemas.openxmlformats.org/markup-compatibility/2006" xmlns:p15="http://schemas.microsoft.com/office/powerpoint/2012/main">
-    <mc:Choice Requires="p15">
-      <p:transition xmlns:p14="http://schemas.microsoft.com/office/powerpoint/2010/main" spd="slow" p14:dur="2000">
-        <p15:prstTrans prst="wind"/>
-      </p:transition>
-    </mc:Choice>
-    <mc:Fallback xmlns="">
-      <p:transition spd="slow">
-        <p:fade/>
-      </p:transition>
-    </mc:Fallback>
-  </mc:AlternateContent>
-  <p:timing>
-    <p:tnLst>
-      <p:par>
-        <p:cTn id="1" dur="indefinite" restart="never" nodeType="tmRoot"/>
-      </p:par>
-    </p:tnLst>
-  </p:timing>
-</p:sld>
-</file>
-
-<file path=ppt/slides/slide2.xml><?xml version="1.0" encoding="utf-8"?>
-<p:sld xmlns:a="http://schemas.openxmlformats.org/drawingml/2006/main" xmlns:r="http://schemas.openxmlformats.org/officeDocument/2006/relationships" xmlns:p="http://schemas.openxmlformats.org/presentationml/2006/main">
-  <p:cSld>
-    <p:spTree>
-      <p:nvGrpSpPr>
-        <p:cNvPr id="1" name=""/>
-        <p:cNvGrpSpPr/>
-        <p:nvPr/>
-      </p:nvGrpSpPr>
-      <p:grpSpPr>
-        <a:xfrm>
-          <a:off x="0" y="0"/>
-          <a:ext cx="0" cy="0"/>
-          <a:chOff x="0" y="0"/>
-          <a:chExt cx="0" cy="0"/>
-        </a:xfrm>
-      </p:grpSpPr>
-      <p:sp>
-        <p:nvSpPr>
-          <p:cNvPr id="2" name="Title 1"/>
-          <p:cNvSpPr>
-            <a:spLocks noGrp="1"/>
-          </p:cNvSpPr>
-          <p:nvPr>
-            <p:ph type="title"/>
-          </p:nvPr>
-        </p:nvSpPr>
-        <p:spPr/>
-        <p:txBody>
-          <a:bodyPr/>
-          <a:lstStyle/>
-          <a:p>
-            <a:r>
-              <a:rPr lang="is-IS" dirty="0" smtClean="0"/>
-              <a:t>Inngangur</a:t>
-            </a:r>
-            <a:endParaRPr lang="is-IS" dirty="0"/>
-          </a:p>
-        </p:txBody>
-      </p:sp>
-      <p:sp>
-        <p:nvSpPr>
-          <p:cNvPr id="3" name="Content Placeholder 2"/>
-          <p:cNvSpPr>
-            <a:spLocks noGrp="1"/>
-          </p:cNvSpPr>
-          <p:nvPr>
-            <p:ph idx="1"/>
-          </p:nvPr>
-        </p:nvSpPr>
-        <p:spPr/>
-        <p:txBody>
-          <a:bodyPr/>
-          <a:lstStyle/>
-          <a:p>
-            <a:pPr marL="0" indent="0">
-              <a:buNone/>
-            </a:pPr>
-            <a:r>
-              <a:rPr lang="is-IS" dirty="0" smtClean="0"/>
-              <a:t>Í þessu verkefni skoðuðum við gagnasöfn frá </a:t>
-            </a:r>
-            <a:r>
-              <a:rPr lang="is-IS" dirty="0" err="1" smtClean="0"/>
-              <a:t>World</a:t>
-            </a:r>
-            <a:r>
-              <a:rPr lang="is-IS" dirty="0" smtClean="0"/>
-              <a:t> Bank. Okkur fannst spennandi að fá mikið af gögn um öll lönd (og heimsálfur) í heiminum og bera þau saman. Við tókum eftir áhugaverðum hlutum eins og raforkunotkun á hvern íbúa þar var Ísland í fyrsta sæti, tvöfalt meira en næsta þjóð.</a:t>
-            </a:r>
-          </a:p>
-          <a:p>
-            <a:pPr marL="0" indent="0">
-              <a:buNone/>
-            </a:pPr>
-            <a:endParaRPr lang="is-IS" dirty="0"/>
-          </a:p>
-          <a:p>
-            <a:pPr marL="0" indent="0" algn="ctr">
-              <a:buNone/>
-            </a:pPr>
-            <a:r>
-              <a:rPr lang="is-IS" dirty="0" smtClean="0">
-                <a:solidFill>
-                  <a:srgbClr val="FF0000"/>
-                </a:solidFill>
-              </a:rPr>
-              <a:t>Komið með okkur í þessa æsiferð um verkefnið okkar</a:t>
-            </a:r>
-            <a:endParaRPr lang="is-IS" dirty="0">
-              <a:solidFill>
-                <a:srgbClr val="FF0000"/>
-              </a:solidFill>
-            </a:endParaRPr>
-          </a:p>
-        </p:txBody>
-      </p:sp>
-    </p:spTree>
-    <p:extLst>
-      <p:ext uri="{BB962C8B-B14F-4D97-AF65-F5344CB8AC3E}">
-        <p14:creationId xmlns:p14="http://schemas.microsoft.com/office/powerpoint/2010/main" val="3685947117"/>
-      </p:ext>
-    </p:extLst>
-  </p:cSld>
-  <p:clrMapOvr>
-    <a:masterClrMapping/>
-  </p:clrMapOvr>
-  <mc:AlternateContent xmlns:mc="http://schemas.openxmlformats.org/markup-compatibility/2006" xmlns:p14="http://schemas.microsoft.com/office/powerpoint/2010/main">
-    <mc:Choice Requires="p14">
-      <p:transition spd="med" p14:dur="700">
-        <p:fade/>
-      </p:transition>
-    </mc:Choice>
-    <mc:Fallback xmlns="">
-      <p:transition spd="med">
-        <p:fade/>
-      </p:transition>
-    </mc:Fallback>
-  </mc:AlternateContent>
-  <p:timing>
-    <p:tnLst>
-      <p:par>
-        <p:cTn id="1" dur="indefinite" restart="never" nodeType="tmRoot"/>
-      </p:par>
-    </p:tnLst>
-  </p:timing>
-</p:sld>
-</file>
-
-<file path=ppt/slides/slide3.xml><?xml version="1.0" encoding="utf-8"?>
-<p:sld xmlns:a="http://schemas.openxmlformats.org/drawingml/2006/main" xmlns:r="http://schemas.openxmlformats.org/officeDocument/2006/relationships" xmlns:p="http://schemas.openxmlformats.org/presentationml/2006/main">
-  <p:cSld>
-    <p:spTree>
-      <p:nvGrpSpPr>
-        <p:cNvPr id="1" name=""/>
-        <p:cNvGrpSpPr/>
-        <p:nvPr/>
-      </p:nvGrpSpPr>
-      <p:grpSpPr>
-        <a:xfrm>
-          <a:off x="0" y="0"/>
-          <a:ext cx="0" cy="0"/>
-          <a:chOff x="0" y="0"/>
-          <a:chExt cx="0" cy="0"/>
-        </a:xfrm>
-      </p:grpSpPr>
-      <p:sp>
-        <p:nvSpPr>
-          <p:cNvPr id="2" name="Title 1"/>
-          <p:cNvSpPr>
-            <a:spLocks noGrp="1"/>
-          </p:cNvSpPr>
-          <p:nvPr>
-            <p:ph type="title"/>
-          </p:nvPr>
-        </p:nvSpPr>
-        <p:spPr/>
-        <p:txBody>
-          <a:bodyPr/>
-          <a:lstStyle/>
-          <a:p>
-            <a:endParaRPr lang="en-GB"/>
-          </a:p>
-        </p:txBody>
-      </p:sp>
-      <p:sp>
-        <p:nvSpPr>
-          <p:cNvPr id="3" name="Content Placeholder 2"/>
-          <p:cNvSpPr>
-            <a:spLocks noGrp="1"/>
-          </p:cNvSpPr>
-          <p:nvPr>
-            <p:ph idx="1"/>
-          </p:nvPr>
-        </p:nvSpPr>
-        <p:spPr/>
-        <p:txBody>
-          <a:bodyPr/>
-          <a:lstStyle/>
-          <a:p>
-            <a:endParaRPr lang="en-GB"/>
-          </a:p>
-        </p:txBody>
-      </p:sp>
-      <p:pic>
-        <p:nvPicPr>
-          <p:cNvPr id="4" name="Picture 3"/>
-          <p:cNvPicPr>
-            <a:picLocks noChangeAspect="1"/>
-          </p:cNvPicPr>
-          <p:nvPr/>
-        </p:nvPicPr>
-        <p:blipFill>
-          <a:blip r:embed="rId2">
-            <a:extLst>
-              <a:ext uri="{28A0092B-C50C-407E-A947-70E740481C1C}">
-                <a14:useLocalDpi xmlns:a14="http://schemas.microsoft.com/office/drawing/2010/main" val="0"/>
-              </a:ext>
-            </a:extLst>
-          </a:blip>
-          <a:stretch>
-            <a:fillRect/>
-          </a:stretch>
-        </p:blipFill>
-        <p:spPr>
-          <a:xfrm>
-            <a:off x="3407433" y="1393436"/>
-            <a:ext cx="6472687" cy="4981484"/>
-          </a:xfrm>
-          <a:prstGeom prst="rect">
-            <a:avLst/>
-          </a:prstGeom>
-        </p:spPr>
-      </p:pic>
-    </p:spTree>
-    <p:extLst>
-      <p:ext uri="{BB962C8B-B14F-4D97-AF65-F5344CB8AC3E}">
-        <p14:creationId xmlns:p14="http://schemas.microsoft.com/office/powerpoint/2010/main" val="1780333106"/>
-      </p:ext>
-    </p:extLst>
-  </p:cSld>
-  <p:clrMapOvr>
-    <a:masterClrMapping/>
-  </p:clrMapOvr>
-  <p:timing>
-    <p:tnLst>
-      <p:par>
-        <p:cTn id="1" dur="indefinite" restart="never" nodeType="tmRoot"/>
-      </p:par>
-    </p:tnLst>
-  </p:timing>
-</p:sld>
-</file>
-
-<file path=ppt/slides/slide4.xml><?xml version="1.0" encoding="utf-8"?>
-<p:sld xmlns:a="http://schemas.openxmlformats.org/drawingml/2006/main" xmlns:r="http://schemas.openxmlformats.org/officeDocument/2006/relationships" xmlns:p="http://schemas.openxmlformats.org/presentationml/2006/main">
-  <p:cSld>
-    <p:spTree>
-      <p:nvGrpSpPr>
-        <p:cNvPr id="1" name=""/>
-        <p:cNvGrpSpPr/>
-        <p:nvPr/>
-      </p:nvGrpSpPr>
-      <p:grpSpPr>
-        <a:xfrm>
-          <a:off x="0" y="0"/>
-          <a:ext cx="0" cy="0"/>
-          <a:chOff x="0" y="0"/>
-          <a:chExt cx="0" cy="0"/>
-        </a:xfrm>
-      </p:grpSpPr>
-      <p:sp>
-        <p:nvSpPr>
-          <p:cNvPr id="2" name="Title 1"/>
-          <p:cNvSpPr>
-            <a:spLocks noGrp="1"/>
-          </p:cNvSpPr>
-          <p:nvPr>
-            <p:ph type="title"/>
-          </p:nvPr>
-        </p:nvSpPr>
-        <p:spPr/>
-        <p:txBody>
-          <a:bodyPr/>
-          <a:lstStyle/>
-          <a:p>
-            <a:r>
-              <a:rPr lang="is-IS" dirty="0" smtClean="0"/>
-              <a:t>Leiðin í SQL</a:t>
-            </a:r>
-            <a:endParaRPr lang="is-IS" dirty="0"/>
-          </a:p>
-        </p:txBody>
-      </p:sp>
-      <p:sp>
-        <p:nvSpPr>
-          <p:cNvPr id="3" name="Content Placeholder 2"/>
-          <p:cNvSpPr>
-            <a:spLocks noGrp="1"/>
-          </p:cNvSpPr>
-          <p:nvPr>
-            <p:ph idx="1"/>
-          </p:nvPr>
-        </p:nvSpPr>
-        <p:spPr/>
-        <p:txBody>
-          <a:bodyPr/>
-          <a:lstStyle/>
-          <a:p>
-            <a:endParaRPr lang="is-IS" dirty="0"/>
-          </a:p>
-        </p:txBody>
-      </p:sp>
-    </p:spTree>
-    <p:extLst>
-      <p:ext uri="{BB962C8B-B14F-4D97-AF65-F5344CB8AC3E}">
-        <p14:creationId xmlns:p14="http://schemas.microsoft.com/office/powerpoint/2010/main" val="418967576"/>
-      </p:ext>
-    </p:extLst>
-  </p:cSld>
-  <p:clrMapOvr>
-    <a:masterClrMapping/>
-  </p:clrMapOvr>
-  <p:transition spd="slow">
-    <p:push dir="u"/>
-  </p:transition>
-  <p:timing>
-    <p:tnLst>
-      <p:par>
-        <p:cTn id="1" dur="indefinite" restart="never" nodeType="tmRoot"/>
-      </p:par>
-    </p:tnLst>
-  </p:timing>
-</p:sld>
-</file>
-
-<file path=ppt/slides/slide5.xml><?xml version="1.0" encoding="utf-8"?>
-<p:sld xmlns:a="http://schemas.openxmlformats.org/drawingml/2006/main" xmlns:r="http://schemas.openxmlformats.org/officeDocument/2006/relationships" xmlns:p="http://schemas.openxmlformats.org/presentationml/2006/main">
-  <p:cSld>
-    <p:spTree>
-      <p:nvGrpSpPr>
-        <p:cNvPr id="1" name=""/>
-        <p:cNvGrpSpPr/>
-        <p:nvPr/>
-      </p:nvGrpSpPr>
-      <p:grpSpPr>
-        <a:xfrm>
-          <a:off x="0" y="0"/>
-          <a:ext cx="0" cy="0"/>
-          <a:chOff x="0" y="0"/>
-          <a:chExt cx="0" cy="0"/>
-        </a:xfrm>
-      </p:grpSpPr>
-      <p:sp>
-        <p:nvSpPr>
-          <p:cNvPr id="2" name="Title 1"/>
-          <p:cNvSpPr>
-            <a:spLocks noGrp="1"/>
-          </p:cNvSpPr>
-          <p:nvPr>
-            <p:ph type="title"/>
-          </p:nvPr>
-        </p:nvSpPr>
-        <p:spPr/>
-        <p:txBody>
-          <a:bodyPr/>
-          <a:lstStyle/>
-          <a:p>
-            <a:r>
-              <a:rPr lang="is-IS" dirty="0" smtClean="0"/>
-              <a:t>Leiðin </a:t>
-            </a:r>
-            <a:r>
-              <a:rPr lang="is-IS" dirty="0" err="1" smtClean="0"/>
-              <a:t>úr</a:t>
-            </a:r>
-            <a:r>
-              <a:rPr lang="is-IS" dirty="0" smtClean="0"/>
-              <a:t> SQL</a:t>
-            </a:r>
-            <a:endParaRPr lang="is-IS" dirty="0"/>
-          </a:p>
-        </p:txBody>
-      </p:sp>
-      <p:sp>
-        <p:nvSpPr>
-          <p:cNvPr id="3" name="Content Placeholder 2"/>
-          <p:cNvSpPr>
-            <a:spLocks noGrp="1"/>
-          </p:cNvSpPr>
-          <p:nvPr>
-            <p:ph idx="1"/>
-          </p:nvPr>
-        </p:nvSpPr>
-        <p:spPr/>
-        <p:txBody>
-          <a:bodyPr/>
-          <a:lstStyle/>
-          <a:p>
-            <a:endParaRPr lang="is-IS"/>
-          </a:p>
-        </p:txBody>
-      </p:sp>
-    </p:spTree>
-    <p:extLst>
-      <p:ext uri="{BB962C8B-B14F-4D97-AF65-F5344CB8AC3E}">
-        <p14:creationId xmlns:p14="http://schemas.microsoft.com/office/powerpoint/2010/main" val="574316553"/>
-      </p:ext>
-    </p:extLst>
-  </p:cSld>
-  <p:clrMapOvr>
-    <a:masterClrMapping/>
-  </p:clrMapOvr>
-  <mc:AlternateContent xmlns:mc="http://schemas.openxmlformats.org/markup-compatibility/2006" xmlns:p14="http://schemas.microsoft.com/office/powerpoint/2010/main">
-    <mc:Choice Requires="p14">
-      <p:transition spd="slow" p14:dur="3400">
-        <p14:reveal/>
-      </p:transition>
-    </mc:Choice>
-    <mc:Fallback xmlns="">
-      <p:transition spd="slow">
-        <p:fade/>
-      </p:transition>
-    </mc:Fallback>
-  </mc:AlternateContent>
-  <p:timing>
-    <p:tnLst>
-      <p:par>
-        <p:cTn id="1" dur="indefinite" restart="never" nodeType="tmRoot"/>
-      </p:par>
-    </p:tnLst>
-  </p:timing>
-</p:sld>
-</file>
-
-<file path=ppt/slides/slide6.xml><?xml version="1.0" encoding="utf-8"?>
-<p:sld xmlns:a="http://schemas.openxmlformats.org/drawingml/2006/main" xmlns:r="http://schemas.openxmlformats.org/officeDocument/2006/relationships" xmlns:p="http://schemas.openxmlformats.org/presentationml/2006/main">
-  <p:cSld>
-    <p:spTree>
-      <p:nvGrpSpPr>
-        <p:cNvPr id="1" name=""/>
-        <p:cNvGrpSpPr/>
-        <p:nvPr/>
-      </p:nvGrpSpPr>
-      <p:grpSpPr>
-        <a:xfrm>
-          <a:off x="0" y="0"/>
-          <a:ext cx="0" cy="0"/>
-          <a:chOff x="0" y="0"/>
-          <a:chExt cx="0" cy="0"/>
-        </a:xfrm>
-      </p:grpSpPr>
-      <p:sp>
-        <p:nvSpPr>
-          <p:cNvPr id="2" name="Title 1"/>
-          <p:cNvSpPr>
-            <a:spLocks noGrp="1"/>
-          </p:cNvSpPr>
-          <p:nvPr>
-            <p:ph type="title"/>
-          </p:nvPr>
-        </p:nvSpPr>
-        <p:spPr/>
-        <p:txBody>
-          <a:bodyPr/>
-          <a:lstStyle/>
-          <a:p>
-            <a:r>
-              <a:rPr lang="is-IS" dirty="0" smtClean="0"/>
               <a:t>Áhugaverð Gröf</a:t>
             </a:r>
             <a:endParaRPr lang="is-IS" dirty="0"/>
@@ -8644,7 +7953,7 @@
 </p:sld>
 </file>
 
-<file path=ppt/slides/slide7.xml><?xml version="1.0" encoding="utf-8"?>
+<file path=ppt/slides/slide11.xml><?xml version="1.0" encoding="utf-8"?>
 <p:sld xmlns:a="http://schemas.openxmlformats.org/drawingml/2006/main" xmlns:r="http://schemas.openxmlformats.org/officeDocument/2006/relationships" xmlns:p="http://schemas.openxmlformats.org/presentationml/2006/main">
   <p:cSld>
     <p:spTree>
@@ -8729,7 +8038,108 @@
 </p:sld>
 </file>
 
-<file path=ppt/slides/slide8.xml><?xml version="1.0" encoding="utf-8"?>
+<file path=ppt/slides/slide12.xml><?xml version="1.0" encoding="utf-8"?>
+<p:sld xmlns:a="http://schemas.openxmlformats.org/drawingml/2006/main" xmlns:r="http://schemas.openxmlformats.org/officeDocument/2006/relationships" xmlns:p="http://schemas.openxmlformats.org/presentationml/2006/main">
+  <p:cSld>
+    <p:spTree>
+      <p:nvGrpSpPr>
+        <p:cNvPr id="1" name=""/>
+        <p:cNvGrpSpPr/>
+        <p:nvPr/>
+      </p:nvGrpSpPr>
+      <p:grpSpPr>
+        <a:xfrm>
+          <a:off x="0" y="0"/>
+          <a:ext cx="0" cy="0"/>
+          <a:chOff x="0" y="0"/>
+          <a:chExt cx="0" cy="0"/>
+        </a:xfrm>
+      </p:grpSpPr>
+      <p:sp>
+        <p:nvSpPr>
+          <p:cNvPr id="2" name="Title 1"/>
+          <p:cNvSpPr>
+            <a:spLocks noGrp="1"/>
+          </p:cNvSpPr>
+          <p:nvPr>
+            <p:ph type="title"/>
+          </p:nvPr>
+        </p:nvSpPr>
+        <p:spPr/>
+        <p:txBody>
+          <a:bodyPr/>
+          <a:lstStyle/>
+          <a:p>
+            <a:r>
+              <a:rPr lang="is-IS" dirty="0" smtClean="0"/>
+              <a:t>Áhugavert</a:t>
+            </a:r>
+            <a:endParaRPr lang="is-IS" dirty="0"/>
+          </a:p>
+        </p:txBody>
+      </p:sp>
+      <p:pic>
+        <p:nvPicPr>
+          <p:cNvPr id="4" name="Content Placeholder 3"/>
+          <p:cNvPicPr>
+            <a:picLocks noGrp="1" noChangeAspect="1"/>
+          </p:cNvPicPr>
+          <p:nvPr>
+            <p:ph idx="1"/>
+          </p:nvPr>
+        </p:nvPicPr>
+        <p:blipFill>
+          <a:blip r:embed="rId2">
+            <a:extLst>
+              <a:ext uri="{28A0092B-C50C-407E-A947-70E740481C1C}">
+                <a14:useLocalDpi xmlns:a14="http://schemas.microsoft.com/office/drawing/2010/main" val="0"/>
+              </a:ext>
+            </a:extLst>
+          </a:blip>
+          <a:stretch>
+            <a:fillRect/>
+          </a:stretch>
+        </p:blipFill>
+        <p:spPr>
+          <a:xfrm>
+            <a:off x="2173674" y="1905000"/>
+            <a:ext cx="9330938" cy="3710994"/>
+          </a:xfrm>
+        </p:spPr>
+      </p:pic>
+    </p:spTree>
+    <p:extLst>
+      <p:ext uri="{BB962C8B-B14F-4D97-AF65-F5344CB8AC3E}">
+        <p14:creationId xmlns:p14="http://schemas.microsoft.com/office/powerpoint/2010/main" val="821489740"/>
+      </p:ext>
+    </p:extLst>
+  </p:cSld>
+  <p:clrMapOvr>
+    <a:masterClrMapping/>
+  </p:clrMapOvr>
+  <mc:AlternateContent xmlns:mc="http://schemas.openxmlformats.org/markup-compatibility/2006" xmlns:p15="http://schemas.microsoft.com/office/powerpoint/2012/main">
+    <mc:Choice Requires="p15">
+      <p:transition xmlns:p14="http://schemas.microsoft.com/office/powerpoint/2010/main" spd="slow" p14:dur="2000">
+        <p15:prstTrans prst="fallOver"/>
+      </p:transition>
+    </mc:Choice>
+    <mc:Fallback xmlns="">
+      <p:transition spd="slow">
+        <p:fade/>
+      </p:transition>
+    </mc:Fallback>
+  </mc:AlternateContent>
+  <p:timing>
+    <p:tnLst>
+      <p:par>
+        <p:cTn id="1" dur="indefinite" restart="never" nodeType="tmRoot"/>
+      </p:par>
+    </p:tnLst>
+  </p:timing>
+</p:sld>
+</file>
+
+<file path=ppt/slides/slide13.xml><?xml version="1.0" encoding="utf-8"?>
 <p:sld xmlns:a="http://schemas.openxmlformats.org/drawingml/2006/main" xmlns:r="http://schemas.openxmlformats.org/officeDocument/2006/relationships" xmlns:p="http://schemas.openxmlformats.org/presentationml/2006/main">
   <p:cSld>
     <p:spTree>
@@ -8854,7 +8264,7 @@
 </p:sld>
 </file>
 
-<file path=ppt/slides/slide9.xml><?xml version="1.0" encoding="utf-8"?>
+<file path=ppt/slides/slide14.xml><?xml version="1.0" encoding="utf-8"?>
 <p:sld xmlns:a="http://schemas.openxmlformats.org/drawingml/2006/main" xmlns:r="http://schemas.openxmlformats.org/officeDocument/2006/relationships" xmlns:p="http://schemas.openxmlformats.org/presentationml/2006/main">
   <p:cSld>
     <p:spTree>
@@ -8890,7 +8300,6 @@
               <a:rPr lang="is-IS" dirty="0"/>
               <a:t>Topp tíu listi</a:t>
             </a:r>
-            <a:endParaRPr lang="is-IS" dirty="0"/>
           </a:p>
         </p:txBody>
       </p:sp>
@@ -9184,6 +8593,1310 @@
   <p:transition spd="slow">
     <p:cover/>
   </p:transition>
+  <p:timing>
+    <p:tnLst>
+      <p:par>
+        <p:cTn id="1" dur="indefinite" restart="never" nodeType="tmRoot"/>
+      </p:par>
+    </p:tnLst>
+  </p:timing>
+</p:sld>
+</file>
+
+<file path=ppt/slides/slide15.xml><?xml version="1.0" encoding="utf-8"?>
+<p:sld xmlns:a="http://schemas.openxmlformats.org/drawingml/2006/main" xmlns:r="http://schemas.openxmlformats.org/officeDocument/2006/relationships" xmlns:p="http://schemas.openxmlformats.org/presentationml/2006/main">
+  <p:cSld>
+    <p:spTree>
+      <p:nvGrpSpPr>
+        <p:cNvPr id="1" name=""/>
+        <p:cNvGrpSpPr/>
+        <p:nvPr/>
+      </p:nvGrpSpPr>
+      <p:grpSpPr>
+        <a:xfrm>
+          <a:off x="0" y="0"/>
+          <a:ext cx="0" cy="0"/>
+          <a:chOff x="0" y="0"/>
+          <a:chExt cx="0" cy="0"/>
+        </a:xfrm>
+      </p:grpSpPr>
+      <p:sp>
+        <p:nvSpPr>
+          <p:cNvPr id="4" name="Title 3"/>
+          <p:cNvSpPr>
+            <a:spLocks noGrp="1"/>
+          </p:cNvSpPr>
+          <p:nvPr>
+            <p:ph type="title"/>
+          </p:nvPr>
+        </p:nvSpPr>
+        <p:spPr/>
+        <p:txBody>
+          <a:bodyPr/>
+          <a:lstStyle/>
+          <a:p>
+            <a:pPr algn="ctr"/>
+            <a:r>
+              <a:rPr lang="is-IS" dirty="0" smtClean="0"/>
+              <a:t>Takk fyrir okkur</a:t>
+            </a:r>
+            <a:endParaRPr lang="is-IS" dirty="0"/>
+          </a:p>
+        </p:txBody>
+      </p:sp>
+      <p:sp>
+        <p:nvSpPr>
+          <p:cNvPr id="5" name="Text Placeholder 4"/>
+          <p:cNvSpPr>
+            <a:spLocks noGrp="1"/>
+          </p:cNvSpPr>
+          <p:nvPr>
+            <p:ph type="body" idx="1"/>
+          </p:nvPr>
+        </p:nvSpPr>
+        <p:spPr/>
+        <p:txBody>
+          <a:bodyPr/>
+          <a:lstStyle/>
+          <a:p>
+            <a:pPr algn="ctr"/>
+            <a:r>
+              <a:rPr lang="is-IS" dirty="0" smtClean="0"/>
+              <a:t>Spurningar?</a:t>
+            </a:r>
+            <a:endParaRPr lang="is-IS" dirty="0"/>
+          </a:p>
+        </p:txBody>
+      </p:sp>
+    </p:spTree>
+    <p:extLst>
+      <p:ext uri="{BB962C8B-B14F-4D97-AF65-F5344CB8AC3E}">
+        <p14:creationId xmlns:p14="http://schemas.microsoft.com/office/powerpoint/2010/main" val="407384379"/>
+      </p:ext>
+    </p:extLst>
+  </p:cSld>
+  <p:clrMapOvr>
+    <a:masterClrMapping/>
+  </p:clrMapOvr>
+  <mc:AlternateContent xmlns:mc="http://schemas.openxmlformats.org/markup-compatibility/2006" xmlns:p15="http://schemas.microsoft.com/office/powerpoint/2012/main">
+    <mc:Choice Requires="p15">
+      <p:transition xmlns:p14="http://schemas.microsoft.com/office/powerpoint/2010/main" spd="slow" p14:dur="2000">
+        <p15:prstTrans prst="wind"/>
+      </p:transition>
+    </mc:Choice>
+    <mc:Fallback xmlns="">
+      <p:transition spd="slow">
+        <p:fade/>
+      </p:transition>
+    </mc:Fallback>
+  </mc:AlternateContent>
+  <p:timing>
+    <p:tnLst>
+      <p:par>
+        <p:cTn id="1" dur="indefinite" restart="never" nodeType="tmRoot"/>
+      </p:par>
+    </p:tnLst>
+  </p:timing>
+</p:sld>
+</file>
+
+<file path=ppt/slides/slide2.xml><?xml version="1.0" encoding="utf-8"?>
+<p:sld xmlns:a="http://schemas.openxmlformats.org/drawingml/2006/main" xmlns:r="http://schemas.openxmlformats.org/officeDocument/2006/relationships" xmlns:p="http://schemas.openxmlformats.org/presentationml/2006/main">
+  <p:cSld>
+    <p:spTree>
+      <p:nvGrpSpPr>
+        <p:cNvPr id="1" name=""/>
+        <p:cNvGrpSpPr/>
+        <p:nvPr/>
+      </p:nvGrpSpPr>
+      <p:grpSpPr>
+        <a:xfrm>
+          <a:off x="0" y="0"/>
+          <a:ext cx="0" cy="0"/>
+          <a:chOff x="0" y="0"/>
+          <a:chExt cx="0" cy="0"/>
+        </a:xfrm>
+      </p:grpSpPr>
+      <p:sp>
+        <p:nvSpPr>
+          <p:cNvPr id="2" name="Title 1"/>
+          <p:cNvSpPr>
+            <a:spLocks noGrp="1"/>
+          </p:cNvSpPr>
+          <p:nvPr>
+            <p:ph type="title"/>
+          </p:nvPr>
+        </p:nvSpPr>
+        <p:spPr/>
+        <p:txBody>
+          <a:bodyPr/>
+          <a:lstStyle/>
+          <a:p>
+            <a:r>
+              <a:rPr lang="is-IS" dirty="0" smtClean="0"/>
+              <a:t>Inngangur</a:t>
+            </a:r>
+            <a:endParaRPr lang="is-IS" dirty="0"/>
+          </a:p>
+        </p:txBody>
+      </p:sp>
+      <p:sp>
+        <p:nvSpPr>
+          <p:cNvPr id="3" name="Content Placeholder 2"/>
+          <p:cNvSpPr>
+            <a:spLocks noGrp="1"/>
+          </p:cNvSpPr>
+          <p:nvPr>
+            <p:ph idx="1"/>
+          </p:nvPr>
+        </p:nvSpPr>
+        <p:spPr/>
+        <p:txBody>
+          <a:bodyPr>
+            <a:normAutofit/>
+          </a:bodyPr>
+          <a:lstStyle/>
+          <a:p>
+            <a:pPr marL="0" indent="0">
+              <a:buNone/>
+            </a:pPr>
+            <a:r>
+              <a:rPr lang="is-IS" dirty="0" smtClean="0"/>
+              <a:t>Í þessu verkefni vildum við kanna hvar væri best að búa. </a:t>
+            </a:r>
+          </a:p>
+          <a:p>
+            <a:pPr marL="0" indent="0">
+              <a:buNone/>
+            </a:pPr>
+            <a:r>
+              <a:rPr lang="is-IS" dirty="0" smtClean="0"/>
+              <a:t>Áhugaverð gögn í gagnasafni. </a:t>
+            </a:r>
+            <a:endParaRPr lang="is-IS" dirty="0"/>
+          </a:p>
+          <a:p>
+            <a:pPr marL="0" indent="0">
+              <a:buNone/>
+            </a:pPr>
+            <a:endParaRPr lang="is-IS" dirty="0" smtClean="0"/>
+          </a:p>
+          <a:p>
+            <a:pPr marL="0" indent="0">
+              <a:buNone/>
+            </a:pPr>
+            <a:endParaRPr lang="is-IS" dirty="0"/>
+          </a:p>
+          <a:p>
+            <a:pPr marL="0" indent="0">
+              <a:buNone/>
+            </a:pPr>
+            <a:r>
+              <a:rPr lang="is-IS" dirty="0" smtClean="0"/>
+              <a:t>Í </a:t>
+            </a:r>
+            <a:r>
+              <a:rPr lang="is-IS" dirty="0" smtClean="0"/>
+              <a:t>þessu verkefni skoðuðum við gagnasöfn frá World Bank. Okkur fannst spennandi að fá mikið af gögn um öll lönd (og heimsálfur) í heiminum og bera þau saman. Við tókum eftir áhugaverðum hlutum eins og raforkunotkun á hvern íbúa þar var Ísland í fyrsta sæti, tvöfalt meira en næsta þjóð.</a:t>
+            </a:r>
+          </a:p>
+          <a:p>
+            <a:pPr marL="0" indent="0">
+              <a:buNone/>
+            </a:pPr>
+            <a:endParaRPr lang="is-IS" dirty="0"/>
+          </a:p>
+          <a:p>
+            <a:pPr marL="0" indent="0" algn="ctr">
+              <a:buNone/>
+            </a:pPr>
+            <a:r>
+              <a:rPr lang="is-IS" dirty="0" smtClean="0">
+                <a:solidFill>
+                  <a:srgbClr val="FF0000"/>
+                </a:solidFill>
+              </a:rPr>
+              <a:t>Komið með okkur í þessa æsiferð um verkefnið okkar</a:t>
+            </a:r>
+            <a:endParaRPr lang="is-IS" dirty="0">
+              <a:solidFill>
+                <a:srgbClr val="FF0000"/>
+              </a:solidFill>
+            </a:endParaRPr>
+          </a:p>
+        </p:txBody>
+      </p:sp>
+    </p:spTree>
+    <p:extLst>
+      <p:ext uri="{BB962C8B-B14F-4D97-AF65-F5344CB8AC3E}">
+        <p14:creationId xmlns:p14="http://schemas.microsoft.com/office/powerpoint/2010/main" val="3685947117"/>
+      </p:ext>
+    </p:extLst>
+  </p:cSld>
+  <p:clrMapOvr>
+    <a:masterClrMapping/>
+  </p:clrMapOvr>
+  <mc:AlternateContent xmlns:mc="http://schemas.openxmlformats.org/markup-compatibility/2006" xmlns:p14="http://schemas.microsoft.com/office/powerpoint/2010/main">
+    <mc:Choice Requires="p14">
+      <p:transition spd="med" p14:dur="700">
+        <p:fade/>
+      </p:transition>
+    </mc:Choice>
+    <mc:Fallback xmlns="">
+      <p:transition spd="med">
+        <p:fade/>
+      </p:transition>
+    </mc:Fallback>
+  </mc:AlternateContent>
+  <p:timing>
+    <p:tnLst>
+      <p:par>
+        <p:cTn id="1" dur="indefinite" restart="never" nodeType="tmRoot"/>
+      </p:par>
+    </p:tnLst>
+  </p:timing>
+</p:sld>
+</file>
+
+<file path=ppt/slides/slide3.xml><?xml version="1.0" encoding="utf-8"?>
+<p:sld xmlns:a="http://schemas.openxmlformats.org/drawingml/2006/main" xmlns:r="http://schemas.openxmlformats.org/officeDocument/2006/relationships" xmlns:p="http://schemas.openxmlformats.org/presentationml/2006/main">
+  <p:cSld>
+    <p:spTree>
+      <p:nvGrpSpPr>
+        <p:cNvPr id="1" name=""/>
+        <p:cNvGrpSpPr/>
+        <p:nvPr/>
+      </p:nvGrpSpPr>
+      <p:grpSpPr>
+        <a:xfrm>
+          <a:off x="0" y="0"/>
+          <a:ext cx="0" cy="0"/>
+          <a:chOff x="0" y="0"/>
+          <a:chExt cx="0" cy="0"/>
+        </a:xfrm>
+      </p:grpSpPr>
+      <p:sp>
+        <p:nvSpPr>
+          <p:cNvPr id="2" name="Title 1"/>
+          <p:cNvSpPr>
+            <a:spLocks noGrp="1"/>
+          </p:cNvSpPr>
+          <p:nvPr>
+            <p:ph type="title"/>
+          </p:nvPr>
+        </p:nvSpPr>
+        <p:spPr/>
+        <p:txBody>
+          <a:bodyPr/>
+          <a:lstStyle/>
+          <a:p>
+            <a:pPr algn="ctr"/>
+            <a:r>
+              <a:rPr lang="is-IS" dirty="0" smtClean="0"/>
+              <a:t>Best í heimi?</a:t>
+            </a:r>
+            <a:endParaRPr lang="is-IS" dirty="0"/>
+          </a:p>
+        </p:txBody>
+      </p:sp>
+      <p:sp>
+        <p:nvSpPr>
+          <p:cNvPr id="3" name="Content Placeholder 2"/>
+          <p:cNvSpPr>
+            <a:spLocks noGrp="1"/>
+          </p:cNvSpPr>
+          <p:nvPr>
+            <p:ph idx="1"/>
+          </p:nvPr>
+        </p:nvSpPr>
+        <p:spPr/>
+        <p:txBody>
+          <a:bodyPr anchor="ctr"/>
+          <a:lstStyle/>
+          <a:p>
+            <a:pPr algn="ctr"/>
+            <a:r>
+              <a:rPr lang="is-IS" sz="3200" dirty="0"/>
+              <a:t>Hvar er best að búa?</a:t>
+            </a:r>
+          </a:p>
+          <a:p>
+            <a:pPr algn="ctr"/>
+            <a:r>
+              <a:rPr lang="is-IS" sz="3200" dirty="0" smtClean="0"/>
+              <a:t>Hvað </a:t>
+            </a:r>
+            <a:r>
+              <a:rPr lang="is-IS" sz="3200" dirty="0"/>
+              <a:t>hefur áhrif</a:t>
+            </a:r>
+            <a:r>
+              <a:rPr lang="is-IS" sz="3200" dirty="0" smtClean="0"/>
+              <a:t>?</a:t>
+            </a:r>
+          </a:p>
+          <a:p>
+            <a:pPr algn="ctr"/>
+            <a:r>
+              <a:rPr lang="is-IS" sz="3200" dirty="0" smtClean="0"/>
+              <a:t>Hvar stendur Ísland?</a:t>
+            </a:r>
+          </a:p>
+          <a:p>
+            <a:pPr algn="ctr"/>
+            <a:r>
+              <a:rPr lang="is-IS" sz="3200" dirty="0" smtClean="0"/>
+              <a:t>Áhugaverð gögn?</a:t>
+            </a:r>
+            <a:endParaRPr lang="is-IS" sz="3200" dirty="0"/>
+          </a:p>
+          <a:p>
+            <a:endParaRPr lang="is-IS" dirty="0"/>
+          </a:p>
+        </p:txBody>
+      </p:sp>
+    </p:spTree>
+    <p:extLst>
+      <p:ext uri="{BB962C8B-B14F-4D97-AF65-F5344CB8AC3E}">
+        <p14:creationId xmlns:p14="http://schemas.microsoft.com/office/powerpoint/2010/main" val="3270220427"/>
+      </p:ext>
+    </p:extLst>
+  </p:cSld>
+  <p:clrMapOvr>
+    <a:masterClrMapping/>
+  </p:clrMapOvr>
+  <p:timing>
+    <p:tnLst>
+      <p:par>
+        <p:cTn id="1" dur="indefinite" restart="never" nodeType="tmRoot"/>
+      </p:par>
+    </p:tnLst>
+  </p:timing>
+</p:sld>
+</file>
+
+<file path=ppt/slides/slide4.xml><?xml version="1.0" encoding="utf-8"?>
+<p:sld xmlns:a="http://schemas.openxmlformats.org/drawingml/2006/main" xmlns:r="http://schemas.openxmlformats.org/officeDocument/2006/relationships" xmlns:p="http://schemas.openxmlformats.org/presentationml/2006/main">
+  <p:cSld>
+    <p:spTree>
+      <p:nvGrpSpPr>
+        <p:cNvPr id="1" name=""/>
+        <p:cNvGrpSpPr/>
+        <p:nvPr/>
+      </p:nvGrpSpPr>
+      <p:grpSpPr>
+        <a:xfrm>
+          <a:off x="0" y="0"/>
+          <a:ext cx="0" cy="0"/>
+          <a:chOff x="0" y="0"/>
+          <a:chExt cx="0" cy="0"/>
+        </a:xfrm>
+      </p:grpSpPr>
+      <p:sp>
+        <p:nvSpPr>
+          <p:cNvPr id="5" name="Title 4"/>
+          <p:cNvSpPr>
+            <a:spLocks noGrp="1"/>
+          </p:cNvSpPr>
+          <p:nvPr>
+            <p:ph type="title"/>
+          </p:nvPr>
+        </p:nvSpPr>
+        <p:spPr/>
+        <p:txBody>
+          <a:bodyPr/>
+          <a:lstStyle/>
+          <a:p>
+            <a:pPr algn="ctr"/>
+            <a:r>
+              <a:rPr lang="is-IS" dirty="0" smtClean="0"/>
+              <a:t>World Bank</a:t>
+            </a:r>
+            <a:endParaRPr lang="is-IS" dirty="0"/>
+          </a:p>
+        </p:txBody>
+      </p:sp>
+      <p:sp>
+        <p:nvSpPr>
+          <p:cNvPr id="6" name="Picture Placeholder 5"/>
+          <p:cNvSpPr>
+            <a:spLocks noGrp="1"/>
+          </p:cNvSpPr>
+          <p:nvPr>
+            <p:ph type="pic" idx="1"/>
+          </p:nvPr>
+        </p:nvSpPr>
+        <p:spPr/>
+      </p:sp>
+      <p:sp>
+        <p:nvSpPr>
+          <p:cNvPr id="7" name="Text Placeholder 6"/>
+          <p:cNvSpPr>
+            <a:spLocks noGrp="1"/>
+          </p:cNvSpPr>
+          <p:nvPr>
+            <p:ph type="body" sz="half" idx="2"/>
+          </p:nvPr>
+        </p:nvSpPr>
+        <p:spPr/>
+        <p:txBody>
+          <a:bodyPr/>
+          <a:lstStyle/>
+          <a:p>
+            <a:pPr algn="ctr"/>
+            <a:r>
+              <a:rPr lang="is-IS" dirty="0" smtClean="0"/>
+              <a:t>Gagnasafn um heimsþróun landa og heimsálfa</a:t>
+            </a:r>
+            <a:endParaRPr lang="is-IS" dirty="0"/>
+          </a:p>
+        </p:txBody>
+      </p:sp>
+      <p:pic>
+        <p:nvPicPr>
+          <p:cNvPr id="4" name="Picture 3"/>
+          <p:cNvPicPr>
+            <a:picLocks noChangeAspect="1"/>
+          </p:cNvPicPr>
+          <p:nvPr/>
+        </p:nvPicPr>
+        <p:blipFill>
+          <a:blip r:embed="rId2">
+            <a:extLst>
+              <a:ext uri="{28A0092B-C50C-407E-A947-70E740481C1C}">
+                <a14:useLocalDpi xmlns:a14="http://schemas.microsoft.com/office/drawing/2010/main" val="0"/>
+              </a:ext>
+            </a:extLst>
+          </a:blip>
+          <a:stretch>
+            <a:fillRect/>
+          </a:stretch>
+        </p:blipFill>
+        <p:spPr>
+          <a:xfrm>
+            <a:off x="4166169" y="398554"/>
+            <a:ext cx="5600132" cy="4309952"/>
+          </a:xfrm>
+          <a:prstGeom prst="rect">
+            <a:avLst/>
+          </a:prstGeom>
+        </p:spPr>
+      </p:pic>
+    </p:spTree>
+    <p:extLst>
+      <p:ext uri="{BB962C8B-B14F-4D97-AF65-F5344CB8AC3E}">
+        <p14:creationId xmlns:p14="http://schemas.microsoft.com/office/powerpoint/2010/main" val="1780333106"/>
+      </p:ext>
+    </p:extLst>
+  </p:cSld>
+  <p:clrMapOvr>
+    <a:masterClrMapping/>
+  </p:clrMapOvr>
+  <p:timing>
+    <p:tnLst>
+      <p:par>
+        <p:cTn id="1" dur="indefinite" restart="never" nodeType="tmRoot"/>
+      </p:par>
+    </p:tnLst>
+  </p:timing>
+</p:sld>
+</file>
+
+<file path=ppt/slides/slide5.xml><?xml version="1.0" encoding="utf-8"?>
+<p:sld xmlns:a="http://schemas.openxmlformats.org/drawingml/2006/main" xmlns:r="http://schemas.openxmlformats.org/officeDocument/2006/relationships" xmlns:p="http://schemas.openxmlformats.org/presentationml/2006/main">
+  <p:cSld>
+    <p:spTree>
+      <p:nvGrpSpPr>
+        <p:cNvPr id="1" name=""/>
+        <p:cNvGrpSpPr/>
+        <p:nvPr/>
+      </p:nvGrpSpPr>
+      <p:grpSpPr>
+        <a:xfrm>
+          <a:off x="0" y="0"/>
+          <a:ext cx="0" cy="0"/>
+          <a:chOff x="0" y="0"/>
+          <a:chExt cx="0" cy="0"/>
+        </a:xfrm>
+      </p:grpSpPr>
+      <p:sp>
+        <p:nvSpPr>
+          <p:cNvPr id="2" name="Title 1"/>
+          <p:cNvSpPr>
+            <a:spLocks noGrp="1"/>
+          </p:cNvSpPr>
+          <p:nvPr>
+            <p:ph type="title"/>
+          </p:nvPr>
+        </p:nvSpPr>
+        <p:spPr/>
+        <p:txBody>
+          <a:bodyPr/>
+          <a:lstStyle/>
+          <a:p>
+            <a:r>
+              <a:rPr lang="is-IS" dirty="0" smtClean="0"/>
+              <a:t>Leiðin í SQL</a:t>
+            </a:r>
+            <a:endParaRPr lang="is-IS" dirty="0"/>
+          </a:p>
+        </p:txBody>
+      </p:sp>
+      <p:sp>
+        <p:nvSpPr>
+          <p:cNvPr id="3" name="Content Placeholder 2"/>
+          <p:cNvSpPr>
+            <a:spLocks noGrp="1"/>
+          </p:cNvSpPr>
+          <p:nvPr>
+            <p:ph idx="1"/>
+          </p:nvPr>
+        </p:nvSpPr>
+        <p:spPr/>
+        <p:txBody>
+          <a:bodyPr/>
+          <a:lstStyle/>
+          <a:p>
+            <a:endParaRPr lang="is-IS" dirty="0"/>
+          </a:p>
+        </p:txBody>
+      </p:sp>
+    </p:spTree>
+    <p:extLst>
+      <p:ext uri="{BB962C8B-B14F-4D97-AF65-F5344CB8AC3E}">
+        <p14:creationId xmlns:p14="http://schemas.microsoft.com/office/powerpoint/2010/main" val="418967576"/>
+      </p:ext>
+    </p:extLst>
+  </p:cSld>
+  <p:clrMapOvr>
+    <a:masterClrMapping/>
+  </p:clrMapOvr>
+  <p:transition spd="slow">
+    <p:push dir="u"/>
+  </p:transition>
+  <p:timing>
+    <p:tnLst>
+      <p:par>
+        <p:cTn id="1" dur="indefinite" restart="never" nodeType="tmRoot"/>
+      </p:par>
+    </p:tnLst>
+  </p:timing>
+</p:sld>
+</file>
+
+<file path=ppt/slides/slide6.xml><?xml version="1.0" encoding="utf-8"?>
+<p:sld xmlns:a="http://schemas.openxmlformats.org/drawingml/2006/main" xmlns:r="http://schemas.openxmlformats.org/officeDocument/2006/relationships" xmlns:p="http://schemas.openxmlformats.org/presentationml/2006/main">
+  <p:cSld>
+    <p:spTree>
+      <p:nvGrpSpPr>
+        <p:cNvPr id="1" name=""/>
+        <p:cNvGrpSpPr/>
+        <p:nvPr/>
+      </p:nvGrpSpPr>
+      <p:grpSpPr>
+        <a:xfrm>
+          <a:off x="0" y="0"/>
+          <a:ext cx="0" cy="0"/>
+          <a:chOff x="0" y="0"/>
+          <a:chExt cx="0" cy="0"/>
+        </a:xfrm>
+      </p:grpSpPr>
+      <p:sp>
+        <p:nvSpPr>
+          <p:cNvPr id="2" name="Title 1"/>
+          <p:cNvSpPr>
+            <a:spLocks noGrp="1"/>
+          </p:cNvSpPr>
+          <p:nvPr>
+            <p:ph type="title"/>
+          </p:nvPr>
+        </p:nvSpPr>
+        <p:spPr/>
+        <p:txBody>
+          <a:bodyPr/>
+          <a:lstStyle/>
+          <a:p>
+            <a:r>
+              <a:rPr lang="is-IS" dirty="0" smtClean="0"/>
+              <a:t>Leiðin </a:t>
+            </a:r>
+            <a:r>
+              <a:rPr lang="is-IS" dirty="0" err="1" smtClean="0"/>
+              <a:t>úr</a:t>
+            </a:r>
+            <a:r>
+              <a:rPr lang="is-IS" dirty="0" smtClean="0"/>
+              <a:t> SQL</a:t>
+            </a:r>
+            <a:endParaRPr lang="is-IS" dirty="0"/>
+          </a:p>
+        </p:txBody>
+      </p:sp>
+      <p:sp>
+        <p:nvSpPr>
+          <p:cNvPr id="3" name="Content Placeholder 2"/>
+          <p:cNvSpPr>
+            <a:spLocks noGrp="1"/>
+          </p:cNvSpPr>
+          <p:nvPr>
+            <p:ph idx="1"/>
+          </p:nvPr>
+        </p:nvSpPr>
+        <p:spPr/>
+        <p:txBody>
+          <a:bodyPr/>
+          <a:lstStyle/>
+          <a:p>
+            <a:endParaRPr lang="is-IS"/>
+          </a:p>
+        </p:txBody>
+      </p:sp>
+    </p:spTree>
+    <p:extLst>
+      <p:ext uri="{BB962C8B-B14F-4D97-AF65-F5344CB8AC3E}">
+        <p14:creationId xmlns:p14="http://schemas.microsoft.com/office/powerpoint/2010/main" val="574316553"/>
+      </p:ext>
+    </p:extLst>
+  </p:cSld>
+  <p:clrMapOvr>
+    <a:masterClrMapping/>
+  </p:clrMapOvr>
+  <mc:AlternateContent xmlns:mc="http://schemas.openxmlformats.org/markup-compatibility/2006" xmlns:p14="http://schemas.microsoft.com/office/powerpoint/2010/main">
+    <mc:Choice Requires="p14">
+      <p:transition spd="slow" p14:dur="3400">
+        <p14:reveal/>
+      </p:transition>
+    </mc:Choice>
+    <mc:Fallback xmlns="">
+      <p:transition spd="slow">
+        <p:fade/>
+      </p:transition>
+    </mc:Fallback>
+  </mc:AlternateContent>
+  <p:timing>
+    <p:tnLst>
+      <p:par>
+        <p:cTn id="1" dur="indefinite" restart="never" nodeType="tmRoot"/>
+      </p:par>
+    </p:tnLst>
+  </p:timing>
+</p:sld>
+</file>
+
+<file path=ppt/slides/slide7.xml><?xml version="1.0" encoding="utf-8"?>
+<p:sld xmlns:a="http://schemas.openxmlformats.org/drawingml/2006/main" xmlns:r="http://schemas.openxmlformats.org/officeDocument/2006/relationships" xmlns:p="http://schemas.openxmlformats.org/presentationml/2006/main">
+  <p:cSld>
+    <p:spTree>
+      <p:nvGrpSpPr>
+        <p:cNvPr id="1" name=""/>
+        <p:cNvGrpSpPr/>
+        <p:nvPr/>
+      </p:nvGrpSpPr>
+      <p:grpSpPr>
+        <a:xfrm>
+          <a:off x="0" y="0"/>
+          <a:ext cx="0" cy="0"/>
+          <a:chOff x="0" y="0"/>
+          <a:chExt cx="0" cy="0"/>
+        </a:xfrm>
+      </p:grpSpPr>
+      <p:sp>
+        <p:nvSpPr>
+          <p:cNvPr id="2" name="Title 1"/>
+          <p:cNvSpPr>
+            <a:spLocks noGrp="1"/>
+          </p:cNvSpPr>
+          <p:nvPr>
+            <p:ph type="title"/>
+          </p:nvPr>
+        </p:nvSpPr>
+        <p:spPr/>
+        <p:txBody>
+          <a:bodyPr/>
+          <a:lstStyle/>
+          <a:p>
+            <a:r>
+              <a:rPr lang="is-IS" dirty="0" smtClean="0"/>
+              <a:t>Áhrifavaldar</a:t>
+            </a:r>
+            <a:endParaRPr lang="is-IS" dirty="0"/>
+          </a:p>
+        </p:txBody>
+      </p:sp>
+      <p:sp>
+        <p:nvSpPr>
+          <p:cNvPr id="3" name="Content Placeholder 2"/>
+          <p:cNvSpPr>
+            <a:spLocks noGrp="1"/>
+          </p:cNvSpPr>
+          <p:nvPr>
+            <p:ph idx="1"/>
+          </p:nvPr>
+        </p:nvSpPr>
+        <p:spPr/>
+        <p:txBody>
+          <a:bodyPr/>
+          <a:lstStyle/>
+          <a:p>
+            <a:r>
+              <a:rPr lang="is-IS" dirty="0" smtClean="0"/>
+              <a:t>CO2 emissions</a:t>
+            </a:r>
+          </a:p>
+          <a:p>
+            <a:r>
+              <a:rPr lang="is-IS" dirty="0" smtClean="0"/>
+              <a:t>Life Expectancy</a:t>
+            </a:r>
+          </a:p>
+          <a:p>
+            <a:r>
+              <a:rPr lang="is-IS" dirty="0" smtClean="0"/>
+              <a:t>Mortality rate, infant</a:t>
+            </a:r>
+          </a:p>
+          <a:p>
+            <a:r>
+              <a:rPr lang="is-IS" dirty="0" smtClean="0"/>
+              <a:t>Internet users</a:t>
+            </a:r>
+          </a:p>
+          <a:p>
+            <a:r>
+              <a:rPr lang="is-IS" dirty="0" smtClean="0"/>
+              <a:t>Electricity power consumption</a:t>
+            </a:r>
+          </a:p>
+          <a:p>
+            <a:r>
+              <a:rPr lang="is-IS" dirty="0" smtClean="0"/>
+              <a:t>GDP</a:t>
+            </a:r>
+          </a:p>
+          <a:p>
+            <a:r>
+              <a:rPr lang="is-IS" dirty="0" smtClean="0"/>
+              <a:t>Tax revenue</a:t>
+            </a:r>
+          </a:p>
+          <a:p>
+            <a:r>
+              <a:rPr lang="is-IS" dirty="0" smtClean="0"/>
+              <a:t>Unemployment</a:t>
+            </a:r>
+          </a:p>
+          <a:p>
+            <a:r>
+              <a:rPr lang="is-IS" dirty="0" smtClean="0"/>
+              <a:t>Public spending on education</a:t>
+            </a:r>
+            <a:endParaRPr lang="is-IS" dirty="0"/>
+          </a:p>
+        </p:txBody>
+      </p:sp>
+    </p:spTree>
+    <p:extLst>
+      <p:ext uri="{BB962C8B-B14F-4D97-AF65-F5344CB8AC3E}">
+        <p14:creationId xmlns:p14="http://schemas.microsoft.com/office/powerpoint/2010/main" val="1363924092"/>
+      </p:ext>
+    </p:extLst>
+  </p:cSld>
+  <p:clrMapOvr>
+    <a:masterClrMapping/>
+  </p:clrMapOvr>
+  <p:timing>
+    <p:tnLst>
+      <p:par>
+        <p:cTn id="1" dur="indefinite" restart="never" nodeType="tmRoot"/>
+      </p:par>
+    </p:tnLst>
+  </p:timing>
+</p:sld>
+</file>
+
+<file path=ppt/slides/slide8.xml><?xml version="1.0" encoding="utf-8"?>
+<p:sld xmlns:a="http://schemas.openxmlformats.org/drawingml/2006/main" xmlns:r="http://schemas.openxmlformats.org/officeDocument/2006/relationships" xmlns:p="http://schemas.openxmlformats.org/presentationml/2006/main">
+  <p:cSld>
+    <p:spTree>
+      <p:nvGrpSpPr>
+        <p:cNvPr id="1" name=""/>
+        <p:cNvGrpSpPr/>
+        <p:nvPr/>
+      </p:nvGrpSpPr>
+      <p:grpSpPr>
+        <a:xfrm>
+          <a:off x="0" y="0"/>
+          <a:ext cx="0" cy="0"/>
+          <a:chOff x="0" y="0"/>
+          <a:chExt cx="0" cy="0"/>
+        </a:xfrm>
+      </p:grpSpPr>
+      <p:sp>
+        <p:nvSpPr>
+          <p:cNvPr id="2" name="Title 1"/>
+          <p:cNvSpPr>
+            <a:spLocks noGrp="1"/>
+          </p:cNvSpPr>
+          <p:nvPr>
+            <p:ph type="title"/>
+          </p:nvPr>
+        </p:nvSpPr>
+        <p:spPr/>
+        <p:txBody>
+          <a:bodyPr/>
+          <a:lstStyle/>
+          <a:p>
+            <a:r>
+              <a:rPr lang="is-IS" dirty="0" smtClean="0"/>
+              <a:t>Niðurstaða</a:t>
+            </a:r>
+            <a:endParaRPr lang="is-IS" dirty="0"/>
+          </a:p>
+        </p:txBody>
+      </p:sp>
+      <p:sp>
+        <p:nvSpPr>
+          <p:cNvPr id="3" name="Content Placeholder 2"/>
+          <p:cNvSpPr>
+            <a:spLocks noGrp="1"/>
+          </p:cNvSpPr>
+          <p:nvPr>
+            <p:ph idx="1"/>
+          </p:nvPr>
+        </p:nvSpPr>
+        <p:spPr/>
+        <p:txBody>
+          <a:bodyPr>
+            <a:noAutofit/>
+          </a:bodyPr>
+          <a:lstStyle/>
+          <a:p>
+            <a:pPr marL="0" indent="0" algn="ctr">
+              <a:spcBef>
+                <a:spcPts val="500"/>
+              </a:spcBef>
+              <a:buNone/>
+            </a:pPr>
+            <a:r>
+              <a:rPr lang="is-IS" sz="1400" dirty="0"/>
+              <a:t>---------------------2013----------------------</a:t>
+            </a:r>
+          </a:p>
+          <a:p>
+            <a:pPr marL="0" indent="0" algn="ctr">
+              <a:spcBef>
+                <a:spcPts val="500"/>
+              </a:spcBef>
+              <a:buNone/>
+            </a:pPr>
+            <a:r>
+              <a:rPr lang="is-IS" sz="1400" dirty="0"/>
+              <a:t>Country: Rating:</a:t>
+            </a:r>
+          </a:p>
+          <a:p>
+            <a:pPr marL="0" indent="0" algn="ctr">
+              <a:spcBef>
+                <a:spcPts val="500"/>
+              </a:spcBef>
+              <a:buNone/>
+            </a:pPr>
+            <a:r>
+              <a:rPr lang="is-IS" sz="1400" dirty="0"/>
+              <a:t>-------------------------------------------------</a:t>
+            </a:r>
+          </a:p>
+          <a:p>
+            <a:pPr algn="ctr">
+              <a:spcBef>
+                <a:spcPts val="500"/>
+              </a:spcBef>
+              <a:buFont typeface="+mj-lt"/>
+              <a:buAutoNum type="arabicPeriod"/>
+            </a:pPr>
+            <a:r>
+              <a:rPr lang="is-IS" sz="1400" dirty="0"/>
+              <a:t>Rwanda 0.2423</a:t>
+            </a:r>
+          </a:p>
+          <a:p>
+            <a:pPr algn="ctr">
+              <a:spcBef>
+                <a:spcPts val="500"/>
+              </a:spcBef>
+              <a:buFont typeface="+mj-lt"/>
+              <a:buAutoNum type="arabicPeriod"/>
+            </a:pPr>
+            <a:r>
+              <a:rPr lang="is-IS" sz="1400" dirty="0"/>
+              <a:t>United States 0.2051</a:t>
+            </a:r>
+          </a:p>
+          <a:p>
+            <a:pPr algn="ctr">
+              <a:spcBef>
+                <a:spcPts val="500"/>
+              </a:spcBef>
+              <a:buFont typeface="+mj-lt"/>
+              <a:buAutoNum type="arabicPeriod"/>
+            </a:pPr>
+            <a:r>
+              <a:rPr lang="is-IS" sz="1400" dirty="0"/>
+              <a:t>North America 0.1916</a:t>
+            </a:r>
+          </a:p>
+          <a:p>
+            <a:pPr algn="ctr">
+              <a:spcBef>
+                <a:spcPts val="500"/>
+              </a:spcBef>
+              <a:buFont typeface="+mj-lt"/>
+              <a:buAutoNum type="arabicPeriod"/>
+            </a:pPr>
+            <a:r>
+              <a:rPr lang="is-IS" sz="1400" dirty="0"/>
+              <a:t>Canada 0.1889</a:t>
+            </a:r>
+          </a:p>
+          <a:p>
+            <a:pPr algn="ctr">
+              <a:spcBef>
+                <a:spcPts val="500"/>
+              </a:spcBef>
+              <a:buFont typeface="+mj-lt"/>
+              <a:buAutoNum type="arabicPeriod"/>
+            </a:pPr>
+            <a:r>
+              <a:rPr lang="is-IS" sz="1400" dirty="0"/>
+              <a:t>Mali 0.1775</a:t>
+            </a:r>
+          </a:p>
+          <a:p>
+            <a:pPr algn="ctr">
+              <a:spcBef>
+                <a:spcPts val="500"/>
+              </a:spcBef>
+              <a:buFont typeface="+mj-lt"/>
+              <a:buAutoNum type="arabicPeriod"/>
+            </a:pPr>
+            <a:r>
+              <a:rPr lang="is-IS" sz="1400" dirty="0"/>
+              <a:t>New Zealand 0.1738</a:t>
+            </a:r>
+          </a:p>
+          <a:p>
+            <a:pPr algn="ctr">
+              <a:spcBef>
+                <a:spcPts val="500"/>
+              </a:spcBef>
+              <a:buFont typeface="+mj-lt"/>
+              <a:buAutoNum type="arabicPeriod"/>
+            </a:pPr>
+            <a:r>
+              <a:rPr lang="is-IS" sz="1400" dirty="0"/>
+              <a:t>Australia 0.158</a:t>
+            </a:r>
+          </a:p>
+          <a:p>
+            <a:pPr algn="ctr">
+              <a:spcBef>
+                <a:spcPts val="500"/>
+              </a:spcBef>
+              <a:buFont typeface="+mj-lt"/>
+              <a:buAutoNum type="arabicPeriod"/>
+            </a:pPr>
+            <a:r>
+              <a:rPr lang="is-IS" sz="1400" dirty="0"/>
+              <a:t>Denmark 0.1406</a:t>
+            </a:r>
+          </a:p>
+          <a:p>
+            <a:pPr algn="ctr">
+              <a:spcBef>
+                <a:spcPts val="500"/>
+              </a:spcBef>
+              <a:buFont typeface="+mj-lt"/>
+              <a:buAutoNum type="arabicPeriod"/>
+            </a:pPr>
+            <a:r>
+              <a:rPr lang="is-IS" sz="1400" dirty="0"/>
+              <a:t>Nepal 0.1395</a:t>
+            </a:r>
+          </a:p>
+          <a:p>
+            <a:pPr algn="ctr">
+              <a:spcBef>
+                <a:spcPts val="500"/>
+              </a:spcBef>
+              <a:buFont typeface="+mj-lt"/>
+              <a:buAutoNum type="arabicPeriod"/>
+            </a:pPr>
+            <a:r>
+              <a:rPr lang="is-IS" sz="1400" dirty="0"/>
+              <a:t>Singapore 0.1372</a:t>
+            </a:r>
+            <a:endParaRPr lang="is-IS" sz="1300" dirty="0"/>
+          </a:p>
+        </p:txBody>
+      </p:sp>
+    </p:spTree>
+    <p:extLst>
+      <p:ext uri="{BB962C8B-B14F-4D97-AF65-F5344CB8AC3E}">
+        <p14:creationId xmlns:p14="http://schemas.microsoft.com/office/powerpoint/2010/main" val="3128360467"/>
+      </p:ext>
+    </p:extLst>
+  </p:cSld>
+  <p:clrMapOvr>
+    <a:masterClrMapping/>
+  </p:clrMapOvr>
+  <p:timing>
+    <p:tnLst>
+      <p:par>
+        <p:cTn id="1" dur="indefinite" restart="never" nodeType="tmRoot"/>
+      </p:par>
+    </p:tnLst>
+  </p:timing>
+</p:sld>
+</file>
+
+<file path=ppt/slides/slide9.xml><?xml version="1.0" encoding="utf-8"?>
+<p:sld xmlns:a="http://schemas.openxmlformats.org/drawingml/2006/main" xmlns:r="http://schemas.openxmlformats.org/officeDocument/2006/relationships" xmlns:p="http://schemas.openxmlformats.org/presentationml/2006/main">
+  <p:cSld>
+    <p:spTree>
+      <p:nvGrpSpPr>
+        <p:cNvPr id="1" name=""/>
+        <p:cNvGrpSpPr/>
+        <p:nvPr/>
+      </p:nvGrpSpPr>
+      <p:grpSpPr>
+        <a:xfrm>
+          <a:off x="0" y="0"/>
+          <a:ext cx="0" cy="0"/>
+          <a:chOff x="0" y="0"/>
+          <a:chExt cx="0" cy="0"/>
+        </a:xfrm>
+      </p:grpSpPr>
+      <p:sp>
+        <p:nvSpPr>
+          <p:cNvPr id="2" name="Title 1"/>
+          <p:cNvSpPr>
+            <a:spLocks noGrp="1"/>
+          </p:cNvSpPr>
+          <p:nvPr>
+            <p:ph type="title"/>
+          </p:nvPr>
+        </p:nvSpPr>
+        <p:spPr/>
+        <p:txBody>
+          <a:bodyPr/>
+          <a:lstStyle/>
+          <a:p>
+            <a:r>
+              <a:rPr lang="is-IS" dirty="0" smtClean="0"/>
+              <a:t>Stórasta Land í heimi.</a:t>
+            </a:r>
+            <a:endParaRPr lang="is-IS" dirty="0"/>
+          </a:p>
+        </p:txBody>
+      </p:sp>
+      <p:sp>
+        <p:nvSpPr>
+          <p:cNvPr id="3" name="Content Placeholder 2"/>
+          <p:cNvSpPr>
+            <a:spLocks noGrp="1"/>
+          </p:cNvSpPr>
+          <p:nvPr>
+            <p:ph idx="1"/>
+          </p:nvPr>
+        </p:nvSpPr>
+        <p:spPr/>
+        <p:txBody>
+          <a:bodyPr>
+            <a:normAutofit fontScale="70000" lnSpcReduction="20000"/>
+          </a:bodyPr>
+          <a:lstStyle/>
+          <a:p>
+            <a:pPr marL="0" indent="0" algn="ctr">
+              <a:buNone/>
+            </a:pPr>
+            <a:r>
+              <a:rPr lang="en-US" dirty="0"/>
+              <a:t>---------------------2007----------------------</a:t>
+            </a:r>
+          </a:p>
+          <a:p>
+            <a:pPr marL="0" indent="0" algn="ctr">
+              <a:buNone/>
+            </a:pPr>
+            <a:r>
+              <a:rPr lang="en-US" dirty="0"/>
+              <a:t>Country: Rating:</a:t>
+            </a:r>
+          </a:p>
+          <a:p>
+            <a:pPr marL="0" indent="0" algn="ctr">
+              <a:buNone/>
+            </a:pPr>
+            <a:r>
+              <a:rPr lang="en-US" dirty="0"/>
+              <a:t>-------------------------------------------------</a:t>
+            </a:r>
+          </a:p>
+          <a:p>
+            <a:pPr algn="ctr">
+              <a:buFont typeface="+mj-lt"/>
+              <a:buAutoNum type="arabicPeriod"/>
+            </a:pPr>
+            <a:r>
+              <a:rPr lang="en-US" dirty="0"/>
+              <a:t>Iceland 0.5154</a:t>
+            </a:r>
+          </a:p>
+          <a:p>
+            <a:pPr algn="ctr">
+              <a:buFont typeface="+mj-lt"/>
+              <a:buAutoNum type="arabicPeriod"/>
+            </a:pPr>
+            <a:r>
+              <a:rPr lang="en-US" dirty="0"/>
+              <a:t>United States 0.4557</a:t>
+            </a:r>
+          </a:p>
+          <a:p>
+            <a:pPr algn="ctr">
+              <a:buFont typeface="+mj-lt"/>
+              <a:buAutoNum type="arabicPeriod"/>
+            </a:pPr>
+            <a:r>
+              <a:rPr lang="en-US" dirty="0"/>
+              <a:t>North America 0.4283</a:t>
+            </a:r>
+          </a:p>
+          <a:p>
+            <a:pPr algn="ctr">
+              <a:buFont typeface="+mj-lt"/>
+              <a:buAutoNum type="arabicPeriod"/>
+            </a:pPr>
+            <a:r>
+              <a:rPr lang="en-US" dirty="0"/>
+              <a:t>New Zealand 0.4081</a:t>
+            </a:r>
+          </a:p>
+          <a:p>
+            <a:pPr algn="ctr">
+              <a:buFont typeface="+mj-lt"/>
+              <a:buAutoNum type="arabicPeriod"/>
+            </a:pPr>
+            <a:r>
+              <a:rPr lang="en-US" dirty="0"/>
+              <a:t>Denmark 0.4017</a:t>
+            </a:r>
+          </a:p>
+          <a:p>
+            <a:pPr algn="ctr">
+              <a:buFont typeface="+mj-lt"/>
+              <a:buAutoNum type="arabicPeriod"/>
+            </a:pPr>
+            <a:r>
+              <a:rPr lang="en-US" dirty="0"/>
+              <a:t>Norway 0.3947</a:t>
+            </a:r>
+          </a:p>
+          <a:p>
+            <a:pPr algn="ctr">
+              <a:buFont typeface="+mj-lt"/>
+              <a:buAutoNum type="arabicPeriod"/>
+            </a:pPr>
+            <a:r>
+              <a:rPr lang="en-US" dirty="0"/>
+              <a:t>Australia 0.3758</a:t>
+            </a:r>
+          </a:p>
+          <a:p>
+            <a:pPr algn="ctr">
+              <a:buFont typeface="+mj-lt"/>
+              <a:buAutoNum type="arabicPeriod"/>
+            </a:pPr>
+            <a:r>
+              <a:rPr lang="en-US" dirty="0"/>
+              <a:t>United Kingdom 0.3721</a:t>
+            </a:r>
+          </a:p>
+          <a:p>
+            <a:pPr algn="ctr">
+              <a:buFont typeface="+mj-lt"/>
+              <a:buAutoNum type="arabicPeriod"/>
+            </a:pPr>
+            <a:r>
+              <a:rPr lang="en-US" dirty="0"/>
+              <a:t>Germany 0.369</a:t>
+            </a:r>
+          </a:p>
+          <a:p>
+            <a:pPr algn="ctr">
+              <a:buFont typeface="+mj-lt"/>
+              <a:buAutoNum type="arabicPeriod"/>
+            </a:pPr>
+            <a:r>
+              <a:rPr lang="en-US" dirty="0"/>
+              <a:t>Finland 0.3669</a:t>
+            </a:r>
+            <a:endParaRPr lang="is-IS" dirty="0"/>
+          </a:p>
+        </p:txBody>
+      </p:sp>
+      <p:pic>
+        <p:nvPicPr>
+          <p:cNvPr id="4" name="Picture 3"/>
+          <p:cNvPicPr>
+            <a:picLocks noChangeAspect="1"/>
+          </p:cNvPicPr>
+          <p:nvPr/>
+        </p:nvPicPr>
+        <p:blipFill>
+          <a:blip r:embed="rId2" cstate="print">
+            <a:extLst>
+              <a:ext uri="{28A0092B-C50C-407E-A947-70E740481C1C}">
+                <a14:useLocalDpi xmlns:a14="http://schemas.microsoft.com/office/drawing/2010/main" val="0"/>
+              </a:ext>
+            </a:extLst>
+          </a:blip>
+          <a:stretch>
+            <a:fillRect/>
+          </a:stretch>
+        </p:blipFill>
+        <p:spPr>
+          <a:xfrm>
+            <a:off x="8001000" y="663447"/>
+            <a:ext cx="1790700" cy="1241553"/>
+          </a:xfrm>
+          <a:prstGeom prst="rect">
+            <a:avLst/>
+          </a:prstGeom>
+        </p:spPr>
+      </p:pic>
+    </p:spTree>
+    <p:extLst>
+      <p:ext uri="{BB962C8B-B14F-4D97-AF65-F5344CB8AC3E}">
+        <p14:creationId xmlns:p14="http://schemas.microsoft.com/office/powerpoint/2010/main" val="2430113801"/>
+      </p:ext>
+    </p:extLst>
+  </p:cSld>
+  <p:clrMapOvr>
+    <a:masterClrMapping/>
+  </p:clrMapOvr>
+  <mc:AlternateContent xmlns:mc="http://schemas.openxmlformats.org/markup-compatibility/2006" xmlns:p15="http://schemas.microsoft.com/office/powerpoint/2012/main">
+    <mc:Choice Requires="p15">
+      <p:transition xmlns:p14="http://schemas.microsoft.com/office/powerpoint/2010/main" spd="slow" p14:dur="1250">
+        <p15:prstTrans prst="airplane"/>
+      </p:transition>
+    </mc:Choice>
+    <mc:Fallback xmlns="">
+      <p:transition spd="slow">
+        <p:fade/>
+      </p:transition>
+    </mc:Fallback>
+  </mc:AlternateContent>
   <p:timing>
     <p:tnLst>
       <p:par>
